--- a/home automation.pptx
+++ b/home automation.pptx
@@ -7,14 +7,11 @@
   <p:sldIdLst>
     <p:sldId id="256" r:id="rId2"/>
     <p:sldId id="257" r:id="rId3"/>
-    <p:sldId id="258" r:id="rId4"/>
-    <p:sldId id="259" r:id="rId5"/>
+    <p:sldId id="262" r:id="rId4"/>
+    <p:sldId id="258" r:id="rId5"/>
     <p:sldId id="260" r:id="rId6"/>
-    <p:sldId id="263" r:id="rId7"/>
+    <p:sldId id="259" r:id="rId7"/>
     <p:sldId id="261" r:id="rId8"/>
-    <p:sldId id="262" r:id="rId9"/>
-    <p:sldId id="264" r:id="rId10"/>
-    <p:sldId id="265" r:id="rId11"/>
   </p:sldIdLst>
   <p:sldSz cx="12192000" cy="6858000"/>
   <p:notesSz cx="6858000" cy="9144000"/>
@@ -138,7 +135,7 @@
           <p:cNvPr id="2" name="Nadpis 1">
             <a:extLst>
               <a:ext uri="{FF2B5EF4-FFF2-40B4-BE49-F238E27FC236}">
-                <a16:creationId xmlns:a16="http://schemas.microsoft.com/office/drawing/2014/main" id="{49BB38D0-4A33-0CC7-C96A-F24F6A93D06D}"/>
+                <a16:creationId xmlns:a16="http://schemas.microsoft.com/office/drawing/2014/main" id="{DD54E2EB-8CFF-994B-4D1B-9937CFCE07E0}"/>
               </a:ext>
             </a:extLst>
           </p:cNvPr>
@@ -175,7 +172,7 @@
           <p:cNvPr id="3" name="Podnadpis 2">
             <a:extLst>
               <a:ext uri="{FF2B5EF4-FFF2-40B4-BE49-F238E27FC236}">
-                <a16:creationId xmlns:a16="http://schemas.microsoft.com/office/drawing/2014/main" id="{4F7B7D23-4ECA-EDC5-FA78-252E0CFFCC0B}"/>
+                <a16:creationId xmlns:a16="http://schemas.microsoft.com/office/drawing/2014/main" id="{939091F1-3B04-F4A2-A867-D4DB5DE671D3}"/>
               </a:ext>
             </a:extLst>
           </p:cNvPr>
@@ -245,7 +242,7 @@
           <p:cNvPr id="4" name="Zástupný symbol pro datum 3">
             <a:extLst>
               <a:ext uri="{FF2B5EF4-FFF2-40B4-BE49-F238E27FC236}">
-                <a16:creationId xmlns:a16="http://schemas.microsoft.com/office/drawing/2014/main" id="{CEC24932-1462-0B99-E044-5AF4A036B21F}"/>
+                <a16:creationId xmlns:a16="http://schemas.microsoft.com/office/drawing/2014/main" id="{D27126B5-F453-6FDA-47AB-5EB8941A20D0}"/>
               </a:ext>
             </a:extLst>
           </p:cNvPr>
@@ -261,9 +258,9 @@
           <a:bodyPr/>
           <a:lstStyle/>
           <a:p>
-            <a:fld id="{9CAADD12-DEF8-410E-971C-E907751D9386}" type="datetimeFigureOut">
+            <a:fld id="{B73BDEDD-52EC-4B1B-A698-B1378DC03557}" type="datetimeFigureOut">
               <a:rPr lang="cs-CZ" smtClean="0"/>
-              <a:t>05.12.2023</a:t>
+              <a:t>25.03.2024</a:t>
             </a:fld>
             <a:endParaRPr lang="cs-CZ"/>
           </a:p>
@@ -274,7 +271,7 @@
           <p:cNvPr id="5" name="Zástupný symbol pro zápatí 4">
             <a:extLst>
               <a:ext uri="{FF2B5EF4-FFF2-40B4-BE49-F238E27FC236}">
-                <a16:creationId xmlns:a16="http://schemas.microsoft.com/office/drawing/2014/main" id="{7C9FCC01-02D2-A0C1-10F6-B16D12F2FC88}"/>
+                <a16:creationId xmlns:a16="http://schemas.microsoft.com/office/drawing/2014/main" id="{A8410F8A-8686-A460-86B1-A42C1D8C2040}"/>
               </a:ext>
             </a:extLst>
           </p:cNvPr>
@@ -299,7 +296,7 @@
           <p:cNvPr id="6" name="Zástupný symbol pro číslo snímku 5">
             <a:extLst>
               <a:ext uri="{FF2B5EF4-FFF2-40B4-BE49-F238E27FC236}">
-                <a16:creationId xmlns:a16="http://schemas.microsoft.com/office/drawing/2014/main" id="{F925F870-84BB-C877-794A-6F6C4C468EAD}"/>
+                <a16:creationId xmlns:a16="http://schemas.microsoft.com/office/drawing/2014/main" id="{26B5E5E6-5A29-AF98-1F51-7F2E90394E65}"/>
               </a:ext>
             </a:extLst>
           </p:cNvPr>
@@ -315,7 +312,7 @@
           <a:bodyPr/>
           <a:lstStyle/>
           <a:p>
-            <a:fld id="{FF7969B8-285E-4FB7-989E-A2C9E4B1EAA3}" type="slidenum">
+            <a:fld id="{5FE02A7E-BF9C-4E97-B4A0-A1B69638EF4D}" type="slidenum">
               <a:rPr lang="cs-CZ" smtClean="0"/>
               <a:t>‹#›</a:t>
             </a:fld>
@@ -326,7 +323,7 @@
     </p:spTree>
     <p:extLst>
       <p:ext uri="{BB962C8B-B14F-4D97-AF65-F5344CB8AC3E}">
-        <p14:creationId xmlns:p14="http://schemas.microsoft.com/office/powerpoint/2010/main" val="443745054"/>
+        <p14:creationId xmlns:p14="http://schemas.microsoft.com/office/powerpoint/2010/main" val="3524057113"/>
       </p:ext>
     </p:extLst>
   </p:cSld>
@@ -358,7 +355,7 @@
           <p:cNvPr id="2" name="Nadpis 1">
             <a:extLst>
               <a:ext uri="{FF2B5EF4-FFF2-40B4-BE49-F238E27FC236}">
-                <a16:creationId xmlns:a16="http://schemas.microsoft.com/office/drawing/2014/main" id="{500CD0E4-105B-D369-4D86-2186396981EB}"/>
+                <a16:creationId xmlns:a16="http://schemas.microsoft.com/office/drawing/2014/main" id="{7B228F78-4F69-42C2-99FD-113FDE1F6633}"/>
               </a:ext>
             </a:extLst>
           </p:cNvPr>
@@ -386,7 +383,7 @@
           <p:cNvPr id="3" name="Zástupný symbol pro svislý text 2">
             <a:extLst>
               <a:ext uri="{FF2B5EF4-FFF2-40B4-BE49-F238E27FC236}">
-                <a16:creationId xmlns:a16="http://schemas.microsoft.com/office/drawing/2014/main" id="{9D314C0E-9846-6C4A-A678-A72C6D182775}"/>
+                <a16:creationId xmlns:a16="http://schemas.microsoft.com/office/drawing/2014/main" id="{703A87C7-F2B1-5E46-35A4-3EF93598CF86}"/>
               </a:ext>
             </a:extLst>
           </p:cNvPr>
@@ -443,7 +440,7 @@
           <p:cNvPr id="4" name="Zástupný symbol pro datum 3">
             <a:extLst>
               <a:ext uri="{FF2B5EF4-FFF2-40B4-BE49-F238E27FC236}">
-                <a16:creationId xmlns:a16="http://schemas.microsoft.com/office/drawing/2014/main" id="{4818C2F7-91CC-63B2-5A8B-0BD29D432559}"/>
+                <a16:creationId xmlns:a16="http://schemas.microsoft.com/office/drawing/2014/main" id="{184B9DD6-F718-CFEC-F78E-07F13B360A65}"/>
               </a:ext>
             </a:extLst>
           </p:cNvPr>
@@ -459,9 +456,9 @@
           <a:bodyPr/>
           <a:lstStyle/>
           <a:p>
-            <a:fld id="{9CAADD12-DEF8-410E-971C-E907751D9386}" type="datetimeFigureOut">
+            <a:fld id="{B73BDEDD-52EC-4B1B-A698-B1378DC03557}" type="datetimeFigureOut">
               <a:rPr lang="cs-CZ" smtClean="0"/>
-              <a:t>05.12.2023</a:t>
+              <a:t>25.03.2024</a:t>
             </a:fld>
             <a:endParaRPr lang="cs-CZ"/>
           </a:p>
@@ -472,7 +469,7 @@
           <p:cNvPr id="5" name="Zástupný symbol pro zápatí 4">
             <a:extLst>
               <a:ext uri="{FF2B5EF4-FFF2-40B4-BE49-F238E27FC236}">
-                <a16:creationId xmlns:a16="http://schemas.microsoft.com/office/drawing/2014/main" id="{DB94F6AF-F44B-ED5B-2EB2-3BF089F320C0}"/>
+                <a16:creationId xmlns:a16="http://schemas.microsoft.com/office/drawing/2014/main" id="{856042D4-0A38-8AAF-7060-6F5CF9FBAB56}"/>
               </a:ext>
             </a:extLst>
           </p:cNvPr>
@@ -497,7 +494,7 @@
           <p:cNvPr id="6" name="Zástupný symbol pro číslo snímku 5">
             <a:extLst>
               <a:ext uri="{FF2B5EF4-FFF2-40B4-BE49-F238E27FC236}">
-                <a16:creationId xmlns:a16="http://schemas.microsoft.com/office/drawing/2014/main" id="{EC139640-CE04-1955-065E-C1F0E9ADAD4A}"/>
+                <a16:creationId xmlns:a16="http://schemas.microsoft.com/office/drawing/2014/main" id="{87018853-AB48-65B2-7420-ABCB1676812F}"/>
               </a:ext>
             </a:extLst>
           </p:cNvPr>
@@ -513,7 +510,7 @@
           <a:bodyPr/>
           <a:lstStyle/>
           <a:p>
-            <a:fld id="{FF7969B8-285E-4FB7-989E-A2C9E4B1EAA3}" type="slidenum">
+            <a:fld id="{5FE02A7E-BF9C-4E97-B4A0-A1B69638EF4D}" type="slidenum">
               <a:rPr lang="cs-CZ" smtClean="0"/>
               <a:t>‹#›</a:t>
             </a:fld>
@@ -524,7 +521,7 @@
     </p:spTree>
     <p:extLst>
       <p:ext uri="{BB962C8B-B14F-4D97-AF65-F5344CB8AC3E}">
-        <p14:creationId xmlns:p14="http://schemas.microsoft.com/office/powerpoint/2010/main" val="2316412356"/>
+        <p14:creationId xmlns:p14="http://schemas.microsoft.com/office/powerpoint/2010/main" val="2019641696"/>
       </p:ext>
     </p:extLst>
   </p:cSld>
@@ -556,7 +553,7 @@
           <p:cNvPr id="2" name="Svislý nadpis 1">
             <a:extLst>
               <a:ext uri="{FF2B5EF4-FFF2-40B4-BE49-F238E27FC236}">
-                <a16:creationId xmlns:a16="http://schemas.microsoft.com/office/drawing/2014/main" id="{899C810D-64BD-4543-F8F4-F86477A423F1}"/>
+                <a16:creationId xmlns:a16="http://schemas.microsoft.com/office/drawing/2014/main" id="{BF74ED4F-263B-17A1-775D-B0E6280BA369}"/>
               </a:ext>
             </a:extLst>
           </p:cNvPr>
@@ -589,7 +586,7 @@
           <p:cNvPr id="3" name="Zástupný symbol pro svislý text 2">
             <a:extLst>
               <a:ext uri="{FF2B5EF4-FFF2-40B4-BE49-F238E27FC236}">
-                <a16:creationId xmlns:a16="http://schemas.microsoft.com/office/drawing/2014/main" id="{D1277D55-9269-99B3-CE50-65CCC89FFBB1}"/>
+                <a16:creationId xmlns:a16="http://schemas.microsoft.com/office/drawing/2014/main" id="{51921C75-CA37-FD5C-3051-09DB2BDAB620}"/>
               </a:ext>
             </a:extLst>
           </p:cNvPr>
@@ -651,7 +648,7 @@
           <p:cNvPr id="4" name="Zástupný symbol pro datum 3">
             <a:extLst>
               <a:ext uri="{FF2B5EF4-FFF2-40B4-BE49-F238E27FC236}">
-                <a16:creationId xmlns:a16="http://schemas.microsoft.com/office/drawing/2014/main" id="{EACE636A-5CB6-34ED-C1F0-53F2A3F83DDB}"/>
+                <a16:creationId xmlns:a16="http://schemas.microsoft.com/office/drawing/2014/main" id="{6FC0F0CC-8480-8C79-8BC8-64FDD8137AF2}"/>
               </a:ext>
             </a:extLst>
           </p:cNvPr>
@@ -667,9 +664,9 @@
           <a:bodyPr/>
           <a:lstStyle/>
           <a:p>
-            <a:fld id="{9CAADD12-DEF8-410E-971C-E907751D9386}" type="datetimeFigureOut">
+            <a:fld id="{B73BDEDD-52EC-4B1B-A698-B1378DC03557}" type="datetimeFigureOut">
               <a:rPr lang="cs-CZ" smtClean="0"/>
-              <a:t>05.12.2023</a:t>
+              <a:t>25.03.2024</a:t>
             </a:fld>
             <a:endParaRPr lang="cs-CZ"/>
           </a:p>
@@ -680,7 +677,7 @@
           <p:cNvPr id="5" name="Zástupný symbol pro zápatí 4">
             <a:extLst>
               <a:ext uri="{FF2B5EF4-FFF2-40B4-BE49-F238E27FC236}">
-                <a16:creationId xmlns:a16="http://schemas.microsoft.com/office/drawing/2014/main" id="{B5545CBC-8B27-7A1A-9032-3A69DB42E85E}"/>
+                <a16:creationId xmlns:a16="http://schemas.microsoft.com/office/drawing/2014/main" id="{56D95C39-8299-0C20-BDB8-9303B4BDB094}"/>
               </a:ext>
             </a:extLst>
           </p:cNvPr>
@@ -705,7 +702,7 @@
           <p:cNvPr id="6" name="Zástupný symbol pro číslo snímku 5">
             <a:extLst>
               <a:ext uri="{FF2B5EF4-FFF2-40B4-BE49-F238E27FC236}">
-                <a16:creationId xmlns:a16="http://schemas.microsoft.com/office/drawing/2014/main" id="{5DD116E9-673B-CACC-5D0C-C24024FB1264}"/>
+                <a16:creationId xmlns:a16="http://schemas.microsoft.com/office/drawing/2014/main" id="{C024957B-EC16-CAC8-8559-8FD19F2C23B2}"/>
               </a:ext>
             </a:extLst>
           </p:cNvPr>
@@ -721,7 +718,7 @@
           <a:bodyPr/>
           <a:lstStyle/>
           <a:p>
-            <a:fld id="{FF7969B8-285E-4FB7-989E-A2C9E4B1EAA3}" type="slidenum">
+            <a:fld id="{5FE02A7E-BF9C-4E97-B4A0-A1B69638EF4D}" type="slidenum">
               <a:rPr lang="cs-CZ" smtClean="0"/>
               <a:t>‹#›</a:t>
             </a:fld>
@@ -732,7 +729,7 @@
     </p:spTree>
     <p:extLst>
       <p:ext uri="{BB962C8B-B14F-4D97-AF65-F5344CB8AC3E}">
-        <p14:creationId xmlns:p14="http://schemas.microsoft.com/office/powerpoint/2010/main" val="2026617965"/>
+        <p14:creationId xmlns:p14="http://schemas.microsoft.com/office/powerpoint/2010/main" val="2098215054"/>
       </p:ext>
     </p:extLst>
   </p:cSld>
@@ -764,7 +761,7 @@
           <p:cNvPr id="2" name="Nadpis 1">
             <a:extLst>
               <a:ext uri="{FF2B5EF4-FFF2-40B4-BE49-F238E27FC236}">
-                <a16:creationId xmlns:a16="http://schemas.microsoft.com/office/drawing/2014/main" id="{61AE3A2F-E936-B4D2-4F44-7CA8C86C3D88}"/>
+                <a16:creationId xmlns:a16="http://schemas.microsoft.com/office/drawing/2014/main" id="{F7B98CE4-79C3-C4FB-612B-DFD5BD07BB01}"/>
               </a:ext>
             </a:extLst>
           </p:cNvPr>
@@ -792,7 +789,7 @@
           <p:cNvPr id="3" name="Zástupný obsah 2">
             <a:extLst>
               <a:ext uri="{FF2B5EF4-FFF2-40B4-BE49-F238E27FC236}">
-                <a16:creationId xmlns:a16="http://schemas.microsoft.com/office/drawing/2014/main" id="{03724EF1-8508-ED56-46DB-52204B7C429F}"/>
+                <a16:creationId xmlns:a16="http://schemas.microsoft.com/office/drawing/2014/main" id="{A58F62AB-0088-AAF6-C28E-C0DCE1F57A79}"/>
               </a:ext>
             </a:extLst>
           </p:cNvPr>
@@ -849,7 +846,7 @@
           <p:cNvPr id="4" name="Zástupný symbol pro datum 3">
             <a:extLst>
               <a:ext uri="{FF2B5EF4-FFF2-40B4-BE49-F238E27FC236}">
-                <a16:creationId xmlns:a16="http://schemas.microsoft.com/office/drawing/2014/main" id="{DBD0F17A-5105-32C1-887B-51CA55595BA1}"/>
+                <a16:creationId xmlns:a16="http://schemas.microsoft.com/office/drawing/2014/main" id="{1CE65B57-8230-4496-E41F-3E8C2E1AE10D}"/>
               </a:ext>
             </a:extLst>
           </p:cNvPr>
@@ -865,9 +862,9 @@
           <a:bodyPr/>
           <a:lstStyle/>
           <a:p>
-            <a:fld id="{9CAADD12-DEF8-410E-971C-E907751D9386}" type="datetimeFigureOut">
+            <a:fld id="{B73BDEDD-52EC-4B1B-A698-B1378DC03557}" type="datetimeFigureOut">
               <a:rPr lang="cs-CZ" smtClean="0"/>
-              <a:t>05.12.2023</a:t>
+              <a:t>25.03.2024</a:t>
             </a:fld>
             <a:endParaRPr lang="cs-CZ"/>
           </a:p>
@@ -878,7 +875,7 @@
           <p:cNvPr id="5" name="Zástupný symbol pro zápatí 4">
             <a:extLst>
               <a:ext uri="{FF2B5EF4-FFF2-40B4-BE49-F238E27FC236}">
-                <a16:creationId xmlns:a16="http://schemas.microsoft.com/office/drawing/2014/main" id="{8D8F5BB5-AE23-5ECB-9BAF-81C82F630C1C}"/>
+                <a16:creationId xmlns:a16="http://schemas.microsoft.com/office/drawing/2014/main" id="{362ADB9B-53A5-05FB-8DC6-5D706B257246}"/>
               </a:ext>
             </a:extLst>
           </p:cNvPr>
@@ -903,7 +900,7 @@
           <p:cNvPr id="6" name="Zástupný symbol pro číslo snímku 5">
             <a:extLst>
               <a:ext uri="{FF2B5EF4-FFF2-40B4-BE49-F238E27FC236}">
-                <a16:creationId xmlns:a16="http://schemas.microsoft.com/office/drawing/2014/main" id="{755010CA-C98D-AEC7-4883-2B4D30F2A9A6}"/>
+                <a16:creationId xmlns:a16="http://schemas.microsoft.com/office/drawing/2014/main" id="{1183D095-519E-470D-8E26-2214DF9838E2}"/>
               </a:ext>
             </a:extLst>
           </p:cNvPr>
@@ -919,7 +916,7 @@
           <a:bodyPr/>
           <a:lstStyle/>
           <a:p>
-            <a:fld id="{FF7969B8-285E-4FB7-989E-A2C9E4B1EAA3}" type="slidenum">
+            <a:fld id="{5FE02A7E-BF9C-4E97-B4A0-A1B69638EF4D}" type="slidenum">
               <a:rPr lang="cs-CZ" smtClean="0"/>
               <a:t>‹#›</a:t>
             </a:fld>
@@ -930,7 +927,7 @@
     </p:spTree>
     <p:extLst>
       <p:ext uri="{BB962C8B-B14F-4D97-AF65-F5344CB8AC3E}">
-        <p14:creationId xmlns:p14="http://schemas.microsoft.com/office/powerpoint/2010/main" val="2743259760"/>
+        <p14:creationId xmlns:p14="http://schemas.microsoft.com/office/powerpoint/2010/main" val="3555141917"/>
       </p:ext>
     </p:extLst>
   </p:cSld>
@@ -962,7 +959,7 @@
           <p:cNvPr id="2" name="Nadpis 1">
             <a:extLst>
               <a:ext uri="{FF2B5EF4-FFF2-40B4-BE49-F238E27FC236}">
-                <a16:creationId xmlns:a16="http://schemas.microsoft.com/office/drawing/2014/main" id="{30959CBC-37EC-942F-9FFE-4598DBB66877}"/>
+                <a16:creationId xmlns:a16="http://schemas.microsoft.com/office/drawing/2014/main" id="{C2D8C1D8-AD0E-80C7-61B8-A3EE3B88E676}"/>
               </a:ext>
             </a:extLst>
           </p:cNvPr>
@@ -999,7 +996,7 @@
           <p:cNvPr id="3" name="Zástupný text 2">
             <a:extLst>
               <a:ext uri="{FF2B5EF4-FFF2-40B4-BE49-F238E27FC236}">
-                <a16:creationId xmlns:a16="http://schemas.microsoft.com/office/drawing/2014/main" id="{68530BC7-28A4-4B73-D9D8-E9D1A8D92646}"/>
+                <a16:creationId xmlns:a16="http://schemas.microsoft.com/office/drawing/2014/main" id="{F0A8BDD1-144E-509C-EB9D-38C14DD9B2A7}"/>
               </a:ext>
             </a:extLst>
           </p:cNvPr>
@@ -1024,7 +1021,7 @@
               <a:defRPr sz="2400">
                 <a:solidFill>
                   <a:schemeClr val="tx1">
-                    <a:tint val="75000"/>
+                    <a:tint val="82000"/>
                   </a:schemeClr>
                 </a:solidFill>
               </a:defRPr>
@@ -1034,7 +1031,7 @@
               <a:defRPr sz="2000">
                 <a:solidFill>
                   <a:schemeClr val="tx1">
-                    <a:tint val="75000"/>
+                    <a:tint val="82000"/>
                   </a:schemeClr>
                 </a:solidFill>
               </a:defRPr>
@@ -1044,7 +1041,7 @@
               <a:defRPr sz="1800">
                 <a:solidFill>
                   <a:schemeClr val="tx1">
-                    <a:tint val="75000"/>
+                    <a:tint val="82000"/>
                   </a:schemeClr>
                 </a:solidFill>
               </a:defRPr>
@@ -1054,7 +1051,7 @@
               <a:defRPr sz="1600">
                 <a:solidFill>
                   <a:schemeClr val="tx1">
-                    <a:tint val="75000"/>
+                    <a:tint val="82000"/>
                   </a:schemeClr>
                 </a:solidFill>
               </a:defRPr>
@@ -1064,7 +1061,7 @@
               <a:defRPr sz="1600">
                 <a:solidFill>
                   <a:schemeClr val="tx1">
-                    <a:tint val="75000"/>
+                    <a:tint val="82000"/>
                   </a:schemeClr>
                 </a:solidFill>
               </a:defRPr>
@@ -1074,7 +1071,7 @@
               <a:defRPr sz="1600">
                 <a:solidFill>
                   <a:schemeClr val="tx1">
-                    <a:tint val="75000"/>
+                    <a:tint val="82000"/>
                   </a:schemeClr>
                 </a:solidFill>
               </a:defRPr>
@@ -1084,7 +1081,7 @@
               <a:defRPr sz="1600">
                 <a:solidFill>
                   <a:schemeClr val="tx1">
-                    <a:tint val="75000"/>
+                    <a:tint val="82000"/>
                   </a:schemeClr>
                 </a:solidFill>
               </a:defRPr>
@@ -1094,7 +1091,7 @@
               <a:defRPr sz="1600">
                 <a:solidFill>
                   <a:schemeClr val="tx1">
-                    <a:tint val="75000"/>
+                    <a:tint val="82000"/>
                   </a:schemeClr>
                 </a:solidFill>
               </a:defRPr>
@@ -1104,7 +1101,7 @@
               <a:defRPr sz="1600">
                 <a:solidFill>
                   <a:schemeClr val="tx1">
-                    <a:tint val="75000"/>
+                    <a:tint val="82000"/>
                   </a:schemeClr>
                 </a:solidFill>
               </a:defRPr>
@@ -1124,7 +1121,7 @@
           <p:cNvPr id="4" name="Zástupný symbol pro datum 3">
             <a:extLst>
               <a:ext uri="{FF2B5EF4-FFF2-40B4-BE49-F238E27FC236}">
-                <a16:creationId xmlns:a16="http://schemas.microsoft.com/office/drawing/2014/main" id="{302778EA-3810-7ACE-5472-0EFEBAB1F36F}"/>
+                <a16:creationId xmlns:a16="http://schemas.microsoft.com/office/drawing/2014/main" id="{6BF075AA-9C6F-01F6-EBC1-7A4D306C7994}"/>
               </a:ext>
             </a:extLst>
           </p:cNvPr>
@@ -1140,9 +1137,9 @@
           <a:bodyPr/>
           <a:lstStyle/>
           <a:p>
-            <a:fld id="{9CAADD12-DEF8-410E-971C-E907751D9386}" type="datetimeFigureOut">
+            <a:fld id="{B73BDEDD-52EC-4B1B-A698-B1378DC03557}" type="datetimeFigureOut">
               <a:rPr lang="cs-CZ" smtClean="0"/>
-              <a:t>05.12.2023</a:t>
+              <a:t>25.03.2024</a:t>
             </a:fld>
             <a:endParaRPr lang="cs-CZ"/>
           </a:p>
@@ -1153,7 +1150,7 @@
           <p:cNvPr id="5" name="Zástupný symbol pro zápatí 4">
             <a:extLst>
               <a:ext uri="{FF2B5EF4-FFF2-40B4-BE49-F238E27FC236}">
-                <a16:creationId xmlns:a16="http://schemas.microsoft.com/office/drawing/2014/main" id="{97F9FD51-AC18-C92A-709C-FAFBC30A021F}"/>
+                <a16:creationId xmlns:a16="http://schemas.microsoft.com/office/drawing/2014/main" id="{D6AD7B25-1A89-1AF1-3DA9-25E7C181959E}"/>
               </a:ext>
             </a:extLst>
           </p:cNvPr>
@@ -1178,7 +1175,7 @@
           <p:cNvPr id="6" name="Zástupný symbol pro číslo snímku 5">
             <a:extLst>
               <a:ext uri="{FF2B5EF4-FFF2-40B4-BE49-F238E27FC236}">
-                <a16:creationId xmlns:a16="http://schemas.microsoft.com/office/drawing/2014/main" id="{EE87DDE1-1881-8DA1-2373-B11F7912ACF5}"/>
+                <a16:creationId xmlns:a16="http://schemas.microsoft.com/office/drawing/2014/main" id="{41D2EC01-F753-E07E-360D-3B59F78F0E2D}"/>
               </a:ext>
             </a:extLst>
           </p:cNvPr>
@@ -1194,7 +1191,7 @@
           <a:bodyPr/>
           <a:lstStyle/>
           <a:p>
-            <a:fld id="{FF7969B8-285E-4FB7-989E-A2C9E4B1EAA3}" type="slidenum">
+            <a:fld id="{5FE02A7E-BF9C-4E97-B4A0-A1B69638EF4D}" type="slidenum">
               <a:rPr lang="cs-CZ" smtClean="0"/>
               <a:t>‹#›</a:t>
             </a:fld>
@@ -1205,7 +1202,7 @@
     </p:spTree>
     <p:extLst>
       <p:ext uri="{BB962C8B-B14F-4D97-AF65-F5344CB8AC3E}">
-        <p14:creationId xmlns:p14="http://schemas.microsoft.com/office/powerpoint/2010/main" val="4052243185"/>
+        <p14:creationId xmlns:p14="http://schemas.microsoft.com/office/powerpoint/2010/main" val="3126278657"/>
       </p:ext>
     </p:extLst>
   </p:cSld>
@@ -1237,7 +1234,7 @@
           <p:cNvPr id="2" name="Nadpis 1">
             <a:extLst>
               <a:ext uri="{FF2B5EF4-FFF2-40B4-BE49-F238E27FC236}">
-                <a16:creationId xmlns:a16="http://schemas.microsoft.com/office/drawing/2014/main" id="{D9CF2CE7-40E3-9CE5-2D8F-CA5F13C12034}"/>
+                <a16:creationId xmlns:a16="http://schemas.microsoft.com/office/drawing/2014/main" id="{41A4BE89-A102-4FCC-3819-6DA162A985E3}"/>
               </a:ext>
             </a:extLst>
           </p:cNvPr>
@@ -1265,7 +1262,7 @@
           <p:cNvPr id="3" name="Zástupný obsah 2">
             <a:extLst>
               <a:ext uri="{FF2B5EF4-FFF2-40B4-BE49-F238E27FC236}">
-                <a16:creationId xmlns:a16="http://schemas.microsoft.com/office/drawing/2014/main" id="{BB0DCBDE-A572-7931-C532-89F5413CFB9C}"/>
+                <a16:creationId xmlns:a16="http://schemas.microsoft.com/office/drawing/2014/main" id="{E70A9893-7E08-95FC-DB26-71A9676056E2}"/>
               </a:ext>
             </a:extLst>
           </p:cNvPr>
@@ -1327,7 +1324,7 @@
           <p:cNvPr id="4" name="Zástupný obsah 3">
             <a:extLst>
               <a:ext uri="{FF2B5EF4-FFF2-40B4-BE49-F238E27FC236}">
-                <a16:creationId xmlns:a16="http://schemas.microsoft.com/office/drawing/2014/main" id="{E17D9533-12E3-3DE3-63BA-48EEA041E962}"/>
+                <a16:creationId xmlns:a16="http://schemas.microsoft.com/office/drawing/2014/main" id="{461E9818-DF38-661C-C6AB-8F22093906A7}"/>
               </a:ext>
             </a:extLst>
           </p:cNvPr>
@@ -1389,7 +1386,7 @@
           <p:cNvPr id="5" name="Zástupný symbol pro datum 4">
             <a:extLst>
               <a:ext uri="{FF2B5EF4-FFF2-40B4-BE49-F238E27FC236}">
-                <a16:creationId xmlns:a16="http://schemas.microsoft.com/office/drawing/2014/main" id="{B130EDED-62A1-F108-1D0A-3673C3CD553C}"/>
+                <a16:creationId xmlns:a16="http://schemas.microsoft.com/office/drawing/2014/main" id="{742BFFA8-AA0C-81B5-9325-20D2C72DECFF}"/>
               </a:ext>
             </a:extLst>
           </p:cNvPr>
@@ -1405,9 +1402,9 @@
           <a:bodyPr/>
           <a:lstStyle/>
           <a:p>
-            <a:fld id="{9CAADD12-DEF8-410E-971C-E907751D9386}" type="datetimeFigureOut">
+            <a:fld id="{B73BDEDD-52EC-4B1B-A698-B1378DC03557}" type="datetimeFigureOut">
               <a:rPr lang="cs-CZ" smtClean="0"/>
-              <a:t>05.12.2023</a:t>
+              <a:t>25.03.2024</a:t>
             </a:fld>
             <a:endParaRPr lang="cs-CZ"/>
           </a:p>
@@ -1418,7 +1415,7 @@
           <p:cNvPr id="6" name="Zástupný symbol pro zápatí 5">
             <a:extLst>
               <a:ext uri="{FF2B5EF4-FFF2-40B4-BE49-F238E27FC236}">
-                <a16:creationId xmlns:a16="http://schemas.microsoft.com/office/drawing/2014/main" id="{574DF091-EA2D-86C5-0AFC-5E17AE7286F6}"/>
+                <a16:creationId xmlns:a16="http://schemas.microsoft.com/office/drawing/2014/main" id="{F82E74DB-46EE-91F9-026E-EF208989AEA9}"/>
               </a:ext>
             </a:extLst>
           </p:cNvPr>
@@ -1443,7 +1440,7 @@
           <p:cNvPr id="7" name="Zástupný symbol pro číslo snímku 6">
             <a:extLst>
               <a:ext uri="{FF2B5EF4-FFF2-40B4-BE49-F238E27FC236}">
-                <a16:creationId xmlns:a16="http://schemas.microsoft.com/office/drawing/2014/main" id="{BD4B8289-728C-07A8-D253-7D9AF2A348C6}"/>
+                <a16:creationId xmlns:a16="http://schemas.microsoft.com/office/drawing/2014/main" id="{641A0F9E-6691-7568-A195-1C9F21E6E15B}"/>
               </a:ext>
             </a:extLst>
           </p:cNvPr>
@@ -1459,7 +1456,7 @@
           <a:bodyPr/>
           <a:lstStyle/>
           <a:p>
-            <a:fld id="{FF7969B8-285E-4FB7-989E-A2C9E4B1EAA3}" type="slidenum">
+            <a:fld id="{5FE02A7E-BF9C-4E97-B4A0-A1B69638EF4D}" type="slidenum">
               <a:rPr lang="cs-CZ" smtClean="0"/>
               <a:t>‹#›</a:t>
             </a:fld>
@@ -1470,7 +1467,7 @@
     </p:spTree>
     <p:extLst>
       <p:ext uri="{BB962C8B-B14F-4D97-AF65-F5344CB8AC3E}">
-        <p14:creationId xmlns:p14="http://schemas.microsoft.com/office/powerpoint/2010/main" val="910055613"/>
+        <p14:creationId xmlns:p14="http://schemas.microsoft.com/office/powerpoint/2010/main" val="3834396399"/>
       </p:ext>
     </p:extLst>
   </p:cSld>
@@ -1502,7 +1499,7 @@
           <p:cNvPr id="2" name="Nadpis 1">
             <a:extLst>
               <a:ext uri="{FF2B5EF4-FFF2-40B4-BE49-F238E27FC236}">
-                <a16:creationId xmlns:a16="http://schemas.microsoft.com/office/drawing/2014/main" id="{074237CA-7ADA-9D11-4C46-1A4063E51547}"/>
+                <a16:creationId xmlns:a16="http://schemas.microsoft.com/office/drawing/2014/main" id="{1CB4217B-ED2D-0521-2608-7548246A66CA}"/>
               </a:ext>
             </a:extLst>
           </p:cNvPr>
@@ -1535,7 +1532,7 @@
           <p:cNvPr id="3" name="Zástupný text 2">
             <a:extLst>
               <a:ext uri="{FF2B5EF4-FFF2-40B4-BE49-F238E27FC236}">
-                <a16:creationId xmlns:a16="http://schemas.microsoft.com/office/drawing/2014/main" id="{0A1A3AD5-615B-2222-BFFB-3556ADC1A2B2}"/>
+                <a16:creationId xmlns:a16="http://schemas.microsoft.com/office/drawing/2014/main" id="{EF5CACBA-8122-6C76-49D3-564E1976F164}"/>
               </a:ext>
             </a:extLst>
           </p:cNvPr>
@@ -1606,7 +1603,7 @@
           <p:cNvPr id="4" name="Zástupný obsah 3">
             <a:extLst>
               <a:ext uri="{FF2B5EF4-FFF2-40B4-BE49-F238E27FC236}">
-                <a16:creationId xmlns:a16="http://schemas.microsoft.com/office/drawing/2014/main" id="{90E2B132-0FB2-CCA0-F76A-8B7A5FC3E8CE}"/>
+                <a16:creationId xmlns:a16="http://schemas.microsoft.com/office/drawing/2014/main" id="{434044D1-79DF-9990-DAF6-3BC8F725D3E4}"/>
               </a:ext>
             </a:extLst>
           </p:cNvPr>
@@ -1668,7 +1665,7 @@
           <p:cNvPr id="5" name="Zástupný text 4">
             <a:extLst>
               <a:ext uri="{FF2B5EF4-FFF2-40B4-BE49-F238E27FC236}">
-                <a16:creationId xmlns:a16="http://schemas.microsoft.com/office/drawing/2014/main" id="{2719EED8-7421-DE5D-AAA3-AB0D60607A83}"/>
+                <a16:creationId xmlns:a16="http://schemas.microsoft.com/office/drawing/2014/main" id="{693ACDE2-9A26-8240-1F50-E3B2FAFFC2CE}"/>
               </a:ext>
             </a:extLst>
           </p:cNvPr>
@@ -1739,7 +1736,7 @@
           <p:cNvPr id="6" name="Zástupný obsah 5">
             <a:extLst>
               <a:ext uri="{FF2B5EF4-FFF2-40B4-BE49-F238E27FC236}">
-                <a16:creationId xmlns:a16="http://schemas.microsoft.com/office/drawing/2014/main" id="{63B39D09-63E6-FBDF-D775-FC09FE7C4CF9}"/>
+                <a16:creationId xmlns:a16="http://schemas.microsoft.com/office/drawing/2014/main" id="{F57FFCA6-B70E-1052-3BC8-9C0835983AFE}"/>
               </a:ext>
             </a:extLst>
           </p:cNvPr>
@@ -1801,7 +1798,7 @@
           <p:cNvPr id="7" name="Zástupný symbol pro datum 6">
             <a:extLst>
               <a:ext uri="{FF2B5EF4-FFF2-40B4-BE49-F238E27FC236}">
-                <a16:creationId xmlns:a16="http://schemas.microsoft.com/office/drawing/2014/main" id="{68EE56EC-1C60-DDAA-DF04-D495899DF182}"/>
+                <a16:creationId xmlns:a16="http://schemas.microsoft.com/office/drawing/2014/main" id="{A0E77218-8FB0-3D4D-E76F-21CC320ABD96}"/>
               </a:ext>
             </a:extLst>
           </p:cNvPr>
@@ -1817,9 +1814,9 @@
           <a:bodyPr/>
           <a:lstStyle/>
           <a:p>
-            <a:fld id="{9CAADD12-DEF8-410E-971C-E907751D9386}" type="datetimeFigureOut">
+            <a:fld id="{B73BDEDD-52EC-4B1B-A698-B1378DC03557}" type="datetimeFigureOut">
               <a:rPr lang="cs-CZ" smtClean="0"/>
-              <a:t>05.12.2023</a:t>
+              <a:t>25.03.2024</a:t>
             </a:fld>
             <a:endParaRPr lang="cs-CZ"/>
           </a:p>
@@ -1830,7 +1827,7 @@
           <p:cNvPr id="8" name="Zástupný symbol pro zápatí 7">
             <a:extLst>
               <a:ext uri="{FF2B5EF4-FFF2-40B4-BE49-F238E27FC236}">
-                <a16:creationId xmlns:a16="http://schemas.microsoft.com/office/drawing/2014/main" id="{DE2CFC5B-3927-81F7-E0B9-0FE1B7524779}"/>
+                <a16:creationId xmlns:a16="http://schemas.microsoft.com/office/drawing/2014/main" id="{CBD1C14B-9EC1-C6EB-9BA4-A23D446D26A6}"/>
               </a:ext>
             </a:extLst>
           </p:cNvPr>
@@ -1855,7 +1852,7 @@
           <p:cNvPr id="9" name="Zástupný symbol pro číslo snímku 8">
             <a:extLst>
               <a:ext uri="{FF2B5EF4-FFF2-40B4-BE49-F238E27FC236}">
-                <a16:creationId xmlns:a16="http://schemas.microsoft.com/office/drawing/2014/main" id="{771B26FE-FC20-2848-3BD3-647EFA993325}"/>
+                <a16:creationId xmlns:a16="http://schemas.microsoft.com/office/drawing/2014/main" id="{161E8F7F-3281-080F-B29D-82B734BE01F0}"/>
               </a:ext>
             </a:extLst>
           </p:cNvPr>
@@ -1871,7 +1868,7 @@
           <a:bodyPr/>
           <a:lstStyle/>
           <a:p>
-            <a:fld id="{FF7969B8-285E-4FB7-989E-A2C9E4B1EAA3}" type="slidenum">
+            <a:fld id="{5FE02A7E-BF9C-4E97-B4A0-A1B69638EF4D}" type="slidenum">
               <a:rPr lang="cs-CZ" smtClean="0"/>
               <a:t>‹#›</a:t>
             </a:fld>
@@ -1882,7 +1879,7 @@
     </p:spTree>
     <p:extLst>
       <p:ext uri="{BB962C8B-B14F-4D97-AF65-F5344CB8AC3E}">
-        <p14:creationId xmlns:p14="http://schemas.microsoft.com/office/powerpoint/2010/main" val="2610807104"/>
+        <p14:creationId xmlns:p14="http://schemas.microsoft.com/office/powerpoint/2010/main" val="622227321"/>
       </p:ext>
     </p:extLst>
   </p:cSld>
@@ -1914,7 +1911,7 @@
           <p:cNvPr id="2" name="Nadpis 1">
             <a:extLst>
               <a:ext uri="{FF2B5EF4-FFF2-40B4-BE49-F238E27FC236}">
-                <a16:creationId xmlns:a16="http://schemas.microsoft.com/office/drawing/2014/main" id="{F7E571BA-C6A0-AC7F-2400-F30B6C23934F}"/>
+                <a16:creationId xmlns:a16="http://schemas.microsoft.com/office/drawing/2014/main" id="{D8351CF4-0610-DD0E-E672-74BB984F12BF}"/>
               </a:ext>
             </a:extLst>
           </p:cNvPr>
@@ -1942,7 +1939,7 @@
           <p:cNvPr id="3" name="Zástupný symbol pro datum 2">
             <a:extLst>
               <a:ext uri="{FF2B5EF4-FFF2-40B4-BE49-F238E27FC236}">
-                <a16:creationId xmlns:a16="http://schemas.microsoft.com/office/drawing/2014/main" id="{08B7F172-3861-5018-ECB4-7F561C006B25}"/>
+                <a16:creationId xmlns:a16="http://schemas.microsoft.com/office/drawing/2014/main" id="{82A894A8-4F6E-75CF-FEF1-10A5E55B7601}"/>
               </a:ext>
             </a:extLst>
           </p:cNvPr>
@@ -1958,9 +1955,9 @@
           <a:bodyPr/>
           <a:lstStyle/>
           <a:p>
-            <a:fld id="{9CAADD12-DEF8-410E-971C-E907751D9386}" type="datetimeFigureOut">
+            <a:fld id="{B73BDEDD-52EC-4B1B-A698-B1378DC03557}" type="datetimeFigureOut">
               <a:rPr lang="cs-CZ" smtClean="0"/>
-              <a:t>05.12.2023</a:t>
+              <a:t>25.03.2024</a:t>
             </a:fld>
             <a:endParaRPr lang="cs-CZ"/>
           </a:p>
@@ -1971,7 +1968,7 @@
           <p:cNvPr id="4" name="Zástupný symbol pro zápatí 3">
             <a:extLst>
               <a:ext uri="{FF2B5EF4-FFF2-40B4-BE49-F238E27FC236}">
-                <a16:creationId xmlns:a16="http://schemas.microsoft.com/office/drawing/2014/main" id="{50EE1319-77B5-E5EC-F122-D285BFB020FA}"/>
+                <a16:creationId xmlns:a16="http://schemas.microsoft.com/office/drawing/2014/main" id="{E89A5551-3D88-7279-181A-BA409B9836F5}"/>
               </a:ext>
             </a:extLst>
           </p:cNvPr>
@@ -1996,7 +1993,7 @@
           <p:cNvPr id="5" name="Zástupný symbol pro číslo snímku 4">
             <a:extLst>
               <a:ext uri="{FF2B5EF4-FFF2-40B4-BE49-F238E27FC236}">
-                <a16:creationId xmlns:a16="http://schemas.microsoft.com/office/drawing/2014/main" id="{4AC1C59C-C86B-1475-FA10-D0B36EFC1455}"/>
+                <a16:creationId xmlns:a16="http://schemas.microsoft.com/office/drawing/2014/main" id="{B471FBA9-DA48-4FF5-F083-4DACC9F1DF49}"/>
               </a:ext>
             </a:extLst>
           </p:cNvPr>
@@ -2012,7 +2009,7 @@
           <a:bodyPr/>
           <a:lstStyle/>
           <a:p>
-            <a:fld id="{FF7969B8-285E-4FB7-989E-A2C9E4B1EAA3}" type="slidenum">
+            <a:fld id="{5FE02A7E-BF9C-4E97-B4A0-A1B69638EF4D}" type="slidenum">
               <a:rPr lang="cs-CZ" smtClean="0"/>
               <a:t>‹#›</a:t>
             </a:fld>
@@ -2023,7 +2020,7 @@
     </p:spTree>
     <p:extLst>
       <p:ext uri="{BB962C8B-B14F-4D97-AF65-F5344CB8AC3E}">
-        <p14:creationId xmlns:p14="http://schemas.microsoft.com/office/powerpoint/2010/main" val="1106879109"/>
+        <p14:creationId xmlns:p14="http://schemas.microsoft.com/office/powerpoint/2010/main" val="4259402783"/>
       </p:ext>
     </p:extLst>
   </p:cSld>
@@ -2055,7 +2052,7 @@
           <p:cNvPr id="2" name="Zástupný symbol pro datum 1">
             <a:extLst>
               <a:ext uri="{FF2B5EF4-FFF2-40B4-BE49-F238E27FC236}">
-                <a16:creationId xmlns:a16="http://schemas.microsoft.com/office/drawing/2014/main" id="{107253E9-37FF-2A76-FE97-B37564CC270F}"/>
+                <a16:creationId xmlns:a16="http://schemas.microsoft.com/office/drawing/2014/main" id="{A64A1990-E952-F459-8B21-2E87EA2C95B9}"/>
               </a:ext>
             </a:extLst>
           </p:cNvPr>
@@ -2071,9 +2068,9 @@
           <a:bodyPr/>
           <a:lstStyle/>
           <a:p>
-            <a:fld id="{9CAADD12-DEF8-410E-971C-E907751D9386}" type="datetimeFigureOut">
+            <a:fld id="{B73BDEDD-52EC-4B1B-A698-B1378DC03557}" type="datetimeFigureOut">
               <a:rPr lang="cs-CZ" smtClean="0"/>
-              <a:t>05.12.2023</a:t>
+              <a:t>25.03.2024</a:t>
             </a:fld>
             <a:endParaRPr lang="cs-CZ"/>
           </a:p>
@@ -2084,7 +2081,7 @@
           <p:cNvPr id="3" name="Zástupný symbol pro zápatí 2">
             <a:extLst>
               <a:ext uri="{FF2B5EF4-FFF2-40B4-BE49-F238E27FC236}">
-                <a16:creationId xmlns:a16="http://schemas.microsoft.com/office/drawing/2014/main" id="{6A832C9E-C305-B8D3-6656-BBF423DB1FF2}"/>
+                <a16:creationId xmlns:a16="http://schemas.microsoft.com/office/drawing/2014/main" id="{BCA3B476-E75A-2E67-7AB3-D50033D8ACA8}"/>
               </a:ext>
             </a:extLst>
           </p:cNvPr>
@@ -2109,7 +2106,7 @@
           <p:cNvPr id="4" name="Zástupný symbol pro číslo snímku 3">
             <a:extLst>
               <a:ext uri="{FF2B5EF4-FFF2-40B4-BE49-F238E27FC236}">
-                <a16:creationId xmlns:a16="http://schemas.microsoft.com/office/drawing/2014/main" id="{0561F7A0-D777-35A4-3668-8BC4B80B2FF9}"/>
+                <a16:creationId xmlns:a16="http://schemas.microsoft.com/office/drawing/2014/main" id="{D20408C5-956A-AFB3-560E-F1B20238F147}"/>
               </a:ext>
             </a:extLst>
           </p:cNvPr>
@@ -2125,7 +2122,7 @@
           <a:bodyPr/>
           <a:lstStyle/>
           <a:p>
-            <a:fld id="{FF7969B8-285E-4FB7-989E-A2C9E4B1EAA3}" type="slidenum">
+            <a:fld id="{5FE02A7E-BF9C-4E97-B4A0-A1B69638EF4D}" type="slidenum">
               <a:rPr lang="cs-CZ" smtClean="0"/>
               <a:t>‹#›</a:t>
             </a:fld>
@@ -2136,7 +2133,7 @@
     </p:spTree>
     <p:extLst>
       <p:ext uri="{BB962C8B-B14F-4D97-AF65-F5344CB8AC3E}">
-        <p14:creationId xmlns:p14="http://schemas.microsoft.com/office/powerpoint/2010/main" val="1908790913"/>
+        <p14:creationId xmlns:p14="http://schemas.microsoft.com/office/powerpoint/2010/main" val="2605613498"/>
       </p:ext>
     </p:extLst>
   </p:cSld>
@@ -2168,7 +2165,7 @@
           <p:cNvPr id="2" name="Nadpis 1">
             <a:extLst>
               <a:ext uri="{FF2B5EF4-FFF2-40B4-BE49-F238E27FC236}">
-                <a16:creationId xmlns:a16="http://schemas.microsoft.com/office/drawing/2014/main" id="{AE85543A-9584-FB20-ED9C-907BC73925D2}"/>
+                <a16:creationId xmlns:a16="http://schemas.microsoft.com/office/drawing/2014/main" id="{E872EF69-63EA-FC83-392A-57C1763AF985}"/>
               </a:ext>
             </a:extLst>
           </p:cNvPr>
@@ -2205,7 +2202,7 @@
           <p:cNvPr id="3" name="Zástupný obsah 2">
             <a:extLst>
               <a:ext uri="{FF2B5EF4-FFF2-40B4-BE49-F238E27FC236}">
-                <a16:creationId xmlns:a16="http://schemas.microsoft.com/office/drawing/2014/main" id="{C10AAE67-0516-6A65-0DAE-DF11F0D42205}"/>
+                <a16:creationId xmlns:a16="http://schemas.microsoft.com/office/drawing/2014/main" id="{98B73598-B369-412F-EB11-C3B3459D08E1}"/>
               </a:ext>
             </a:extLst>
           </p:cNvPr>
@@ -2295,7 +2292,7 @@
           <p:cNvPr id="4" name="Zástupný text 3">
             <a:extLst>
               <a:ext uri="{FF2B5EF4-FFF2-40B4-BE49-F238E27FC236}">
-                <a16:creationId xmlns:a16="http://schemas.microsoft.com/office/drawing/2014/main" id="{3BE3A5D3-4D83-4A92-982F-1A680A157815}"/>
+                <a16:creationId xmlns:a16="http://schemas.microsoft.com/office/drawing/2014/main" id="{5A850EB4-DF29-EFC2-BD34-958BF21CE34D}"/>
               </a:ext>
             </a:extLst>
           </p:cNvPr>
@@ -2366,7 +2363,7 @@
           <p:cNvPr id="5" name="Zástupný symbol pro datum 4">
             <a:extLst>
               <a:ext uri="{FF2B5EF4-FFF2-40B4-BE49-F238E27FC236}">
-                <a16:creationId xmlns:a16="http://schemas.microsoft.com/office/drawing/2014/main" id="{D115337C-33A8-B858-7DD7-E5CDF27C1AA6}"/>
+                <a16:creationId xmlns:a16="http://schemas.microsoft.com/office/drawing/2014/main" id="{DC59E665-6F85-2113-05CB-D237D7B6CEB3}"/>
               </a:ext>
             </a:extLst>
           </p:cNvPr>
@@ -2382,9 +2379,9 @@
           <a:bodyPr/>
           <a:lstStyle/>
           <a:p>
-            <a:fld id="{9CAADD12-DEF8-410E-971C-E907751D9386}" type="datetimeFigureOut">
+            <a:fld id="{B73BDEDD-52EC-4B1B-A698-B1378DC03557}" type="datetimeFigureOut">
               <a:rPr lang="cs-CZ" smtClean="0"/>
-              <a:t>05.12.2023</a:t>
+              <a:t>25.03.2024</a:t>
             </a:fld>
             <a:endParaRPr lang="cs-CZ"/>
           </a:p>
@@ -2395,7 +2392,7 @@
           <p:cNvPr id="6" name="Zástupný symbol pro zápatí 5">
             <a:extLst>
               <a:ext uri="{FF2B5EF4-FFF2-40B4-BE49-F238E27FC236}">
-                <a16:creationId xmlns:a16="http://schemas.microsoft.com/office/drawing/2014/main" id="{44255B1A-F98F-9BDA-2176-AEA055F7224B}"/>
+                <a16:creationId xmlns:a16="http://schemas.microsoft.com/office/drawing/2014/main" id="{499F181A-E025-A657-3485-CC8AF25A938D}"/>
               </a:ext>
             </a:extLst>
           </p:cNvPr>
@@ -2420,7 +2417,7 @@
           <p:cNvPr id="7" name="Zástupný symbol pro číslo snímku 6">
             <a:extLst>
               <a:ext uri="{FF2B5EF4-FFF2-40B4-BE49-F238E27FC236}">
-                <a16:creationId xmlns:a16="http://schemas.microsoft.com/office/drawing/2014/main" id="{65D53E9C-EE65-4533-D0BD-78032ADA69E5}"/>
+                <a16:creationId xmlns:a16="http://schemas.microsoft.com/office/drawing/2014/main" id="{A7CED4A5-547D-18FB-BCBF-524CD2CA9EEC}"/>
               </a:ext>
             </a:extLst>
           </p:cNvPr>
@@ -2436,7 +2433,7 @@
           <a:bodyPr/>
           <a:lstStyle/>
           <a:p>
-            <a:fld id="{FF7969B8-285E-4FB7-989E-A2C9E4B1EAA3}" type="slidenum">
+            <a:fld id="{5FE02A7E-BF9C-4E97-B4A0-A1B69638EF4D}" type="slidenum">
               <a:rPr lang="cs-CZ" smtClean="0"/>
               <a:t>‹#›</a:t>
             </a:fld>
@@ -2447,7 +2444,7 @@
     </p:spTree>
     <p:extLst>
       <p:ext uri="{BB962C8B-B14F-4D97-AF65-F5344CB8AC3E}">
-        <p14:creationId xmlns:p14="http://schemas.microsoft.com/office/powerpoint/2010/main" val="1376663168"/>
+        <p14:creationId xmlns:p14="http://schemas.microsoft.com/office/powerpoint/2010/main" val="4007500123"/>
       </p:ext>
     </p:extLst>
   </p:cSld>
@@ -2479,7 +2476,7 @@
           <p:cNvPr id="2" name="Nadpis 1">
             <a:extLst>
               <a:ext uri="{FF2B5EF4-FFF2-40B4-BE49-F238E27FC236}">
-                <a16:creationId xmlns:a16="http://schemas.microsoft.com/office/drawing/2014/main" id="{FC7A5013-6637-8471-8AF9-DAA2D13C7F47}"/>
+                <a16:creationId xmlns:a16="http://schemas.microsoft.com/office/drawing/2014/main" id="{6CF511C2-BB82-9D0D-F78B-AE963E18902D}"/>
               </a:ext>
             </a:extLst>
           </p:cNvPr>
@@ -2516,7 +2513,7 @@
           <p:cNvPr id="3" name="Zástupný symbol obrázku 2">
             <a:extLst>
               <a:ext uri="{FF2B5EF4-FFF2-40B4-BE49-F238E27FC236}">
-                <a16:creationId xmlns:a16="http://schemas.microsoft.com/office/drawing/2014/main" id="{7D44EEE4-FA59-28A6-4739-912B4E3DED1C}"/>
+                <a16:creationId xmlns:a16="http://schemas.microsoft.com/office/drawing/2014/main" id="{09C74491-421F-F7C4-F854-576239C43FEF}"/>
               </a:ext>
             </a:extLst>
           </p:cNvPr>
@@ -2583,7 +2580,7 @@
           <p:cNvPr id="4" name="Zástupný text 3">
             <a:extLst>
               <a:ext uri="{FF2B5EF4-FFF2-40B4-BE49-F238E27FC236}">
-                <a16:creationId xmlns:a16="http://schemas.microsoft.com/office/drawing/2014/main" id="{B0405768-5138-C9E2-E7B6-ACD947DAB2A1}"/>
+                <a16:creationId xmlns:a16="http://schemas.microsoft.com/office/drawing/2014/main" id="{25953C7C-BBC8-5056-512A-6780E0CE3767}"/>
               </a:ext>
             </a:extLst>
           </p:cNvPr>
@@ -2654,7 +2651,7 @@
           <p:cNvPr id="5" name="Zástupný symbol pro datum 4">
             <a:extLst>
               <a:ext uri="{FF2B5EF4-FFF2-40B4-BE49-F238E27FC236}">
-                <a16:creationId xmlns:a16="http://schemas.microsoft.com/office/drawing/2014/main" id="{C73E0765-29F0-8F45-D163-36F51120AEAA}"/>
+                <a16:creationId xmlns:a16="http://schemas.microsoft.com/office/drawing/2014/main" id="{4384E13E-0027-E8AB-2D46-B12F7B673673}"/>
               </a:ext>
             </a:extLst>
           </p:cNvPr>
@@ -2670,9 +2667,9 @@
           <a:bodyPr/>
           <a:lstStyle/>
           <a:p>
-            <a:fld id="{9CAADD12-DEF8-410E-971C-E907751D9386}" type="datetimeFigureOut">
+            <a:fld id="{B73BDEDD-52EC-4B1B-A698-B1378DC03557}" type="datetimeFigureOut">
               <a:rPr lang="cs-CZ" smtClean="0"/>
-              <a:t>05.12.2023</a:t>
+              <a:t>25.03.2024</a:t>
             </a:fld>
             <a:endParaRPr lang="cs-CZ"/>
           </a:p>
@@ -2683,7 +2680,7 @@
           <p:cNvPr id="6" name="Zástupný symbol pro zápatí 5">
             <a:extLst>
               <a:ext uri="{FF2B5EF4-FFF2-40B4-BE49-F238E27FC236}">
-                <a16:creationId xmlns:a16="http://schemas.microsoft.com/office/drawing/2014/main" id="{F7E88FED-7E10-7320-AB84-B2D40BA38599}"/>
+                <a16:creationId xmlns:a16="http://schemas.microsoft.com/office/drawing/2014/main" id="{2F900791-8ED2-84EA-5BE3-EBF4CBA095DB}"/>
               </a:ext>
             </a:extLst>
           </p:cNvPr>
@@ -2708,7 +2705,7 @@
           <p:cNvPr id="7" name="Zástupný symbol pro číslo snímku 6">
             <a:extLst>
               <a:ext uri="{FF2B5EF4-FFF2-40B4-BE49-F238E27FC236}">
-                <a16:creationId xmlns:a16="http://schemas.microsoft.com/office/drawing/2014/main" id="{2DB7456E-B124-E54C-FF8B-CB090FCAF023}"/>
+                <a16:creationId xmlns:a16="http://schemas.microsoft.com/office/drawing/2014/main" id="{44EC50A0-BAB8-F8BF-DC58-F15DF5780592}"/>
               </a:ext>
             </a:extLst>
           </p:cNvPr>
@@ -2724,7 +2721,7 @@
           <a:bodyPr/>
           <a:lstStyle/>
           <a:p>
-            <a:fld id="{FF7969B8-285E-4FB7-989E-A2C9E4B1EAA3}" type="slidenum">
+            <a:fld id="{5FE02A7E-BF9C-4E97-B4A0-A1B69638EF4D}" type="slidenum">
               <a:rPr lang="cs-CZ" smtClean="0"/>
               <a:t>‹#›</a:t>
             </a:fld>
@@ -2735,7 +2732,7 @@
     </p:spTree>
     <p:extLst>
       <p:ext uri="{BB962C8B-B14F-4D97-AF65-F5344CB8AC3E}">
-        <p14:creationId xmlns:p14="http://schemas.microsoft.com/office/powerpoint/2010/main" val="1019874925"/>
+        <p14:creationId xmlns:p14="http://schemas.microsoft.com/office/powerpoint/2010/main" val="2578399129"/>
       </p:ext>
     </p:extLst>
   </p:cSld>
@@ -2772,7 +2769,7 @@
           <p:cNvPr id="2" name="Zástupný nadpis 1">
             <a:extLst>
               <a:ext uri="{FF2B5EF4-FFF2-40B4-BE49-F238E27FC236}">
-                <a16:creationId xmlns:a16="http://schemas.microsoft.com/office/drawing/2014/main" id="{143290CA-B95A-AE84-94BA-4DE8F2191F3B}"/>
+                <a16:creationId xmlns:a16="http://schemas.microsoft.com/office/drawing/2014/main" id="{2AE495D0-492D-524C-3132-58787F89FF6E}"/>
               </a:ext>
             </a:extLst>
           </p:cNvPr>
@@ -2810,7 +2807,7 @@
           <p:cNvPr id="3" name="Zástupný text 2">
             <a:extLst>
               <a:ext uri="{FF2B5EF4-FFF2-40B4-BE49-F238E27FC236}">
-                <a16:creationId xmlns:a16="http://schemas.microsoft.com/office/drawing/2014/main" id="{01A9C58A-A7D0-0DDB-28FB-E056C56CE4BA}"/>
+                <a16:creationId xmlns:a16="http://schemas.microsoft.com/office/drawing/2014/main" id="{B869A5EC-B39B-01F3-5B0C-909C24ED7336}"/>
               </a:ext>
             </a:extLst>
           </p:cNvPr>
@@ -2877,7 +2874,7 @@
           <p:cNvPr id="4" name="Zástupný symbol pro datum 3">
             <a:extLst>
               <a:ext uri="{FF2B5EF4-FFF2-40B4-BE49-F238E27FC236}">
-                <a16:creationId xmlns:a16="http://schemas.microsoft.com/office/drawing/2014/main" id="{F1E691B8-4A50-ED2B-A50B-2014EC50EB7D}"/>
+                <a16:creationId xmlns:a16="http://schemas.microsoft.com/office/drawing/2014/main" id="{28D6362F-A029-EB2D-A5FD-19645AC0E8C9}"/>
               </a:ext>
             </a:extLst>
           </p:cNvPr>
@@ -2904,16 +2901,16 @@
               <a:defRPr sz="1200">
                 <a:solidFill>
                   <a:schemeClr val="tx1">
-                    <a:tint val="75000"/>
+                    <a:tint val="82000"/>
                   </a:schemeClr>
                 </a:solidFill>
               </a:defRPr>
             </a:lvl1pPr>
           </a:lstStyle>
           <a:p>
-            <a:fld id="{9CAADD12-DEF8-410E-971C-E907751D9386}" type="datetimeFigureOut">
+            <a:fld id="{B73BDEDD-52EC-4B1B-A698-B1378DC03557}" type="datetimeFigureOut">
               <a:rPr lang="cs-CZ" smtClean="0"/>
-              <a:t>05.12.2023</a:t>
+              <a:t>25.03.2024</a:t>
             </a:fld>
             <a:endParaRPr lang="cs-CZ"/>
           </a:p>
@@ -2924,7 +2921,7 @@
           <p:cNvPr id="5" name="Zástupný symbol pro zápatí 4">
             <a:extLst>
               <a:ext uri="{FF2B5EF4-FFF2-40B4-BE49-F238E27FC236}">
-                <a16:creationId xmlns:a16="http://schemas.microsoft.com/office/drawing/2014/main" id="{01500ACD-8875-4144-AF69-9D5B57DEB2DA}"/>
+                <a16:creationId xmlns:a16="http://schemas.microsoft.com/office/drawing/2014/main" id="{BEAAF04F-0FC5-C763-8684-9A51B1BB7584}"/>
               </a:ext>
             </a:extLst>
           </p:cNvPr>
@@ -2951,7 +2948,7 @@
               <a:defRPr sz="1200">
                 <a:solidFill>
                   <a:schemeClr val="tx1">
-                    <a:tint val="75000"/>
+                    <a:tint val="82000"/>
                   </a:schemeClr>
                 </a:solidFill>
               </a:defRPr>
@@ -2967,7 +2964,7 @@
           <p:cNvPr id="6" name="Zástupný symbol pro číslo snímku 5">
             <a:extLst>
               <a:ext uri="{FF2B5EF4-FFF2-40B4-BE49-F238E27FC236}">
-                <a16:creationId xmlns:a16="http://schemas.microsoft.com/office/drawing/2014/main" id="{4419949C-78AC-9932-C4D2-5090E5CC3528}"/>
+                <a16:creationId xmlns:a16="http://schemas.microsoft.com/office/drawing/2014/main" id="{1C4267DC-8BAE-7349-D878-EB2C338E4839}"/>
               </a:ext>
             </a:extLst>
           </p:cNvPr>
@@ -2994,14 +2991,14 @@
               <a:defRPr sz="1200">
                 <a:solidFill>
                   <a:schemeClr val="tx1">
-                    <a:tint val="75000"/>
+                    <a:tint val="82000"/>
                   </a:schemeClr>
                 </a:solidFill>
               </a:defRPr>
             </a:lvl1pPr>
           </a:lstStyle>
           <a:p>
-            <a:fld id="{FF7969B8-285E-4FB7-989E-A2C9E4B1EAA3}" type="slidenum">
+            <a:fld id="{5FE02A7E-BF9C-4E97-B4A0-A1B69638EF4D}" type="slidenum">
               <a:rPr lang="cs-CZ" smtClean="0"/>
               <a:t>‹#›</a:t>
             </a:fld>
@@ -3012,7 +3009,7 @@
     </p:spTree>
     <p:extLst>
       <p:ext uri="{BB962C8B-B14F-4D97-AF65-F5344CB8AC3E}">
-        <p14:creationId xmlns:p14="http://schemas.microsoft.com/office/powerpoint/2010/main" val="3728743362"/>
+        <p14:creationId xmlns:p14="http://schemas.microsoft.com/office/powerpoint/2010/main" val="1290316022"/>
       </p:ext>
     </p:extLst>
   </p:cSld>
@@ -3332,10 +3329,10 @@
       </p:grpSpPr>
       <p:sp>
         <p:nvSpPr>
-          <p:cNvPr id="5" name="Nadpis 4">
-            <a:extLst>
-              <a:ext uri="{FF2B5EF4-FFF2-40B4-BE49-F238E27FC236}">
-                <a16:creationId xmlns:a16="http://schemas.microsoft.com/office/drawing/2014/main" id="{CB81AF64-EA26-F921-EC1A-AABF25E9EAE7}"/>
+          <p:cNvPr id="2" name="Nadpis 1">
+            <a:extLst>
+              <a:ext uri="{FF2B5EF4-FFF2-40B4-BE49-F238E27FC236}">
+                <a16:creationId xmlns:a16="http://schemas.microsoft.com/office/drawing/2014/main" id="{C158EF6B-B308-CD87-E33D-537548E44EC1}"/>
               </a:ext>
             </a:extLst>
           </p:cNvPr>
@@ -3348,59 +3345,69 @@
         </p:nvSpPr>
         <p:spPr>
           <a:xfrm>
-            <a:off x="1209367" y="906053"/>
-            <a:ext cx="9773265" cy="3056347"/>
+            <a:off x="569843" y="1122363"/>
+            <a:ext cx="11052313" cy="2133599"/>
           </a:xfrm>
         </p:spPr>
         <p:txBody>
-          <a:bodyPr>
-            <a:noAutofit/>
-          </a:bodyPr>
-          <a:lstStyle/>
-          <a:p>
-            <a:r>
-              <a:rPr lang="cs-CZ" sz="6600" dirty="0">
-                <a:effectLst/>
-                <a:latin typeface="Calibri" panose="020F0502020204030204" pitchFamily="34" charset="0"/>
-                <a:ea typeface="Calibri" panose="020F0502020204030204" pitchFamily="34" charset="0"/>
-                <a:cs typeface="Times New Roman" panose="02020603050405020304" pitchFamily="18" charset="0"/>
-              </a:rPr>
-              <a:t>Systém uzavřeného okruhu pěstování rostlin a ryb pro městské tržiště</a:t>
-            </a:r>
-            <a:endParaRPr lang="cs-CZ" sz="6600" dirty="0"/>
-          </a:p>
-        </p:txBody>
-      </p:sp>
-      <p:sp>
-        <p:nvSpPr>
-          <p:cNvPr id="6" name="TextovéPole 5">
-            <a:extLst>
-              <a:ext uri="{FF2B5EF4-FFF2-40B4-BE49-F238E27FC236}">
-                <a16:creationId xmlns:a16="http://schemas.microsoft.com/office/drawing/2014/main" id="{01B08621-7DEB-A5AE-AD45-3DE2822AC8F8}"/>
-              </a:ext>
-            </a:extLst>
-          </p:cNvPr>
-          <p:cNvSpPr txBox="1"/>
-          <p:nvPr/>
-        </p:nvSpPr>
-        <p:spPr>
-          <a:xfrm>
-            <a:off x="4766628" y="5305616"/>
-            <a:ext cx="2658741" cy="646331"/>
-          </a:xfrm>
-          <a:prstGeom prst="rect">
-            <a:avLst/>
-          </a:prstGeom>
-          <a:noFill/>
-        </p:spPr>
-        <p:txBody>
-          <a:bodyPr wrap="none" rtlCol="0">
-            <a:spAutoFit/>
-          </a:bodyPr>
-          <a:lstStyle/>
-          <a:p>
-            <a:r>
-              <a:rPr lang="cs-CZ" sz="3600" dirty="0"/>
+          <a:bodyPr/>
+          <a:lstStyle/>
+          <a:p>
+            <a:r>
+              <a:rPr lang="cs-CZ" dirty="0" err="1"/>
+              <a:t>Home</a:t>
+            </a:r>
+            <a:r>
+              <a:rPr lang="cs-CZ" dirty="0"/>
+              <a:t> </a:t>
+            </a:r>
+            <a:r>
+              <a:rPr lang="cs-CZ" dirty="0" err="1"/>
+              <a:t>automation</a:t>
+            </a:r>
+            <a:r>
+              <a:rPr lang="cs-CZ" dirty="0"/>
+              <a:t> ≈ </a:t>
+            </a:r>
+            <a:r>
+              <a:rPr lang="cs-CZ" dirty="0" err="1"/>
+              <a:t>smart</a:t>
+            </a:r>
+            <a:r>
+              <a:rPr lang="cs-CZ" dirty="0"/>
+              <a:t> </a:t>
+            </a:r>
+            <a:r>
+              <a:rPr lang="cs-CZ" dirty="0" err="1"/>
+              <a:t>home</a:t>
+            </a:r>
+            <a:endParaRPr lang="cs-CZ" dirty="0"/>
+          </a:p>
+        </p:txBody>
+      </p:sp>
+      <p:sp>
+        <p:nvSpPr>
+          <p:cNvPr id="3" name="Podnadpis 2">
+            <a:extLst>
+              <a:ext uri="{FF2B5EF4-FFF2-40B4-BE49-F238E27FC236}">
+                <a16:creationId xmlns:a16="http://schemas.microsoft.com/office/drawing/2014/main" id="{3EEA0B97-7F2A-490F-B6BE-984ACB884E4E}"/>
+              </a:ext>
+            </a:extLst>
+          </p:cNvPr>
+          <p:cNvSpPr>
+            <a:spLocks noGrp="1"/>
+          </p:cNvSpPr>
+          <p:nvPr>
+            <p:ph type="subTitle" idx="1"/>
+          </p:nvPr>
+        </p:nvSpPr>
+        <p:spPr/>
+        <p:txBody>
+          <a:bodyPr/>
+          <a:lstStyle/>
+          <a:p>
+            <a:r>
+              <a:rPr lang="cs-CZ" dirty="0"/>
               <a:t>Adam Votava</a:t>
             </a:r>
           </a:p>
@@ -3409,97 +3416,7 @@
     </p:spTree>
     <p:extLst>
       <p:ext uri="{BB962C8B-B14F-4D97-AF65-F5344CB8AC3E}">
-        <p14:creationId xmlns:p14="http://schemas.microsoft.com/office/powerpoint/2010/main" val="1096872701"/>
-      </p:ext>
-    </p:extLst>
-  </p:cSld>
-  <p:clrMapOvr>
-    <a:masterClrMapping/>
-  </p:clrMapOvr>
-</p:sld>
-</file>
-
-<file path=ppt/slides/slide10.xml><?xml version="1.0" encoding="utf-8"?>
-<p:sld xmlns:a="http://schemas.openxmlformats.org/drawingml/2006/main" xmlns:r="http://schemas.openxmlformats.org/officeDocument/2006/relationships" xmlns:p="http://schemas.openxmlformats.org/presentationml/2006/main">
-  <p:cSld>
-    <p:spTree>
-      <p:nvGrpSpPr>
-        <p:cNvPr id="1" name=""/>
-        <p:cNvGrpSpPr/>
-        <p:nvPr/>
-      </p:nvGrpSpPr>
-      <p:grpSpPr>
-        <a:xfrm>
-          <a:off x="0" y="0"/>
-          <a:ext cx="0" cy="0"/>
-          <a:chOff x="0" y="0"/>
-          <a:chExt cx="0" cy="0"/>
-        </a:xfrm>
-      </p:grpSpPr>
-      <p:sp>
-        <p:nvSpPr>
-          <p:cNvPr id="2" name="Nadpis 1">
-            <a:extLst>
-              <a:ext uri="{FF2B5EF4-FFF2-40B4-BE49-F238E27FC236}">
-                <a16:creationId xmlns:a16="http://schemas.microsoft.com/office/drawing/2014/main" id="{B31082C5-AFDE-4205-9F61-87AA9D219886}"/>
-              </a:ext>
-            </a:extLst>
-          </p:cNvPr>
-          <p:cNvSpPr>
-            <a:spLocks noGrp="1"/>
-          </p:cNvSpPr>
-          <p:nvPr>
-            <p:ph type="title"/>
-          </p:nvPr>
-        </p:nvSpPr>
-        <p:spPr/>
-        <p:txBody>
-          <a:bodyPr/>
-          <a:lstStyle/>
-          <a:p>
-            <a:endParaRPr lang="cs-CZ"/>
-          </a:p>
-        </p:txBody>
-      </p:sp>
-      <p:pic>
-        <p:nvPicPr>
-          <p:cNvPr id="5" name="Zástupný obsah 4" descr="Obsah obrázku text, snímek obrazovky, diagram, řada/pruh&#10;&#10;Popis byl vytvořen automaticky">
-            <a:extLst>
-              <a:ext uri="{FF2B5EF4-FFF2-40B4-BE49-F238E27FC236}">
-                <a16:creationId xmlns:a16="http://schemas.microsoft.com/office/drawing/2014/main" id="{80CF0419-E2FC-34F2-4878-0CF90860B8D8}"/>
-              </a:ext>
-            </a:extLst>
-          </p:cNvPr>
-          <p:cNvPicPr>
-            <a:picLocks noGrp="1" noChangeAspect="1"/>
-          </p:cNvPicPr>
-          <p:nvPr>
-            <p:ph idx="1"/>
-          </p:nvPr>
-        </p:nvPicPr>
-        <p:blipFill>
-          <a:blip r:embed="rId2">
-            <a:extLst>
-              <a:ext uri="{28A0092B-C50C-407E-A947-70E740481C1C}">
-                <a14:useLocalDpi xmlns:a14="http://schemas.microsoft.com/office/drawing/2010/main" val="0"/>
-              </a:ext>
-            </a:extLst>
-          </a:blip>
-          <a:stretch>
-            <a:fillRect/>
-          </a:stretch>
-        </p:blipFill>
-        <p:spPr>
-          <a:xfrm>
-            <a:off x="3441733" y="703778"/>
-            <a:ext cx="5308534" cy="5789097"/>
-          </a:xfrm>
-        </p:spPr>
-      </p:pic>
-    </p:spTree>
-    <p:extLst>
-      <p:ext uri="{BB962C8B-B14F-4D97-AF65-F5344CB8AC3E}">
-        <p14:creationId xmlns:p14="http://schemas.microsoft.com/office/powerpoint/2010/main" val="327207956"/>
+        <p14:creationId xmlns:p14="http://schemas.microsoft.com/office/powerpoint/2010/main" val="2960182953"/>
       </p:ext>
     </p:extLst>
   </p:cSld>
@@ -3531,7 +3448,7 @@
           <p:cNvPr id="2" name="Nadpis 1">
             <a:extLst>
               <a:ext uri="{FF2B5EF4-FFF2-40B4-BE49-F238E27FC236}">
-                <a16:creationId xmlns:a16="http://schemas.microsoft.com/office/drawing/2014/main" id="{DA0312ED-C97E-0723-2EE9-1FB9C60AFF7B}"/>
+                <a16:creationId xmlns:a16="http://schemas.microsoft.com/office/drawing/2014/main" id="{3F32B01E-FE62-DF73-A342-46757FB22602}"/>
               </a:ext>
             </a:extLst>
           </p:cNvPr>
@@ -3547,49 +3464,215 @@
           <a:bodyPr/>
           <a:lstStyle/>
           <a:p>
-            <a:endParaRPr lang="cs-CZ"/>
-          </a:p>
-        </p:txBody>
-      </p:sp>
-      <p:pic>
-        <p:nvPicPr>
-          <p:cNvPr id="5" name="Zástupný obsah 4" descr="Obsah obrázku text, diagram, Plán, Písmo&#10;&#10;Popis byl vytvořen automaticky">
-            <a:extLst>
-              <a:ext uri="{FF2B5EF4-FFF2-40B4-BE49-F238E27FC236}">
-                <a16:creationId xmlns:a16="http://schemas.microsoft.com/office/drawing/2014/main" id="{808E181F-ACFF-AABF-7779-BD4592D7D7BA}"/>
-              </a:ext>
-            </a:extLst>
-          </p:cNvPr>
-          <p:cNvPicPr>
-            <a:picLocks noGrp="1" noChangeAspect="1"/>
-          </p:cNvPicPr>
+            <a:r>
+              <a:rPr lang="cs-CZ" dirty="0" err="1"/>
+              <a:t>IoT</a:t>
+            </a:r>
+            <a:endParaRPr lang="cs-CZ" dirty="0"/>
+          </a:p>
+        </p:txBody>
+      </p:sp>
+      <p:sp>
+        <p:nvSpPr>
+          <p:cNvPr id="3" name="Zástupný obsah 2">
+            <a:extLst>
+              <a:ext uri="{FF2B5EF4-FFF2-40B4-BE49-F238E27FC236}">
+                <a16:creationId xmlns:a16="http://schemas.microsoft.com/office/drawing/2014/main" id="{12DD59C3-FA65-67E8-552B-1CF1EC127561}"/>
+              </a:ext>
+            </a:extLst>
+          </p:cNvPr>
+          <p:cNvSpPr>
+            <a:spLocks noGrp="1"/>
+          </p:cNvSpPr>
           <p:nvPr>
             <p:ph idx="1"/>
           </p:nvPr>
-        </p:nvPicPr>
-        <p:blipFill>
-          <a:blip r:embed="rId2">
-            <a:extLst>
-              <a:ext uri="{28A0092B-C50C-407E-A947-70E740481C1C}">
-                <a14:useLocalDpi xmlns:a14="http://schemas.microsoft.com/office/drawing/2010/main" val="0"/>
-              </a:ext>
-            </a:extLst>
-          </a:blip>
-          <a:stretch>
-            <a:fillRect/>
-          </a:stretch>
-        </p:blipFill>
-        <p:spPr>
-          <a:xfrm>
-            <a:off x="736840" y="0"/>
-            <a:ext cx="10616960" cy="6859530"/>
-          </a:xfrm>
-        </p:spPr>
-      </p:pic>
+        </p:nvSpPr>
+        <p:spPr/>
+        <p:txBody>
+          <a:bodyPr/>
+          <a:lstStyle/>
+          <a:p>
+            <a:r>
+              <a:rPr lang="cs-CZ" dirty="0"/>
+              <a:t>17b </a:t>
+            </a:r>
+            <a:r>
+              <a:rPr lang="cs-CZ" dirty="0" err="1"/>
+              <a:t>devices</a:t>
+            </a:r>
+            <a:r>
+              <a:rPr lang="cs-CZ" dirty="0"/>
+              <a:t>, 2x by 2030</a:t>
+            </a:r>
+          </a:p>
+          <a:p>
+            <a:r>
+              <a:rPr lang="cs-CZ" dirty="0" err="1"/>
+              <a:t>Collection</a:t>
+            </a:r>
+            <a:r>
+              <a:rPr lang="cs-CZ" dirty="0"/>
+              <a:t> </a:t>
+            </a:r>
+            <a:r>
+              <a:rPr lang="cs-CZ" dirty="0" err="1"/>
+              <a:t>of</a:t>
+            </a:r>
+            <a:r>
+              <a:rPr lang="cs-CZ" dirty="0"/>
+              <a:t> data</a:t>
+            </a:r>
+          </a:p>
+          <a:p>
+            <a:r>
+              <a:rPr lang="cs-CZ" dirty="0" err="1"/>
+              <a:t>Communication</a:t>
+            </a:r>
+            <a:r>
+              <a:rPr lang="cs-CZ" dirty="0"/>
+              <a:t> </a:t>
+            </a:r>
+            <a:r>
+              <a:rPr lang="cs-CZ" dirty="0" err="1"/>
+              <a:t>with</a:t>
+            </a:r>
+            <a:r>
+              <a:rPr lang="cs-CZ" dirty="0"/>
+              <a:t> </a:t>
+            </a:r>
+            <a:r>
+              <a:rPr lang="cs-CZ" dirty="0" err="1"/>
+              <a:t>other</a:t>
+            </a:r>
+            <a:r>
+              <a:rPr lang="cs-CZ" dirty="0"/>
+              <a:t> </a:t>
+            </a:r>
+            <a:r>
+              <a:rPr lang="cs-CZ" dirty="0" err="1"/>
+              <a:t>devices</a:t>
+            </a:r>
+            <a:endParaRPr lang="cs-CZ" dirty="0"/>
+          </a:p>
+          <a:p>
+            <a:r>
+              <a:rPr lang="cs-CZ" dirty="0" err="1"/>
+              <a:t>Remote</a:t>
+            </a:r>
+            <a:r>
+              <a:rPr lang="cs-CZ" dirty="0"/>
+              <a:t> </a:t>
+            </a:r>
+            <a:r>
+              <a:rPr lang="cs-CZ" dirty="0" err="1"/>
+              <a:t>control</a:t>
+            </a:r>
+            <a:endParaRPr lang="cs-CZ" dirty="0"/>
+          </a:p>
+          <a:p>
+            <a:r>
+              <a:rPr lang="cs-CZ" dirty="0" err="1"/>
+              <a:t>smart</a:t>
+            </a:r>
+            <a:r>
+              <a:rPr lang="cs-CZ" dirty="0"/>
+              <a:t> </a:t>
+            </a:r>
+            <a:r>
+              <a:rPr lang="cs-CZ" dirty="0" err="1"/>
+              <a:t>homes</a:t>
+            </a:r>
+            <a:r>
+              <a:rPr lang="cs-CZ" dirty="0"/>
+              <a:t>, </a:t>
+            </a:r>
+            <a:r>
+              <a:rPr lang="cs-CZ" dirty="0" err="1"/>
+              <a:t>smart</a:t>
+            </a:r>
+            <a:r>
+              <a:rPr lang="cs-CZ" dirty="0"/>
+              <a:t> </a:t>
+            </a:r>
+            <a:r>
+              <a:rPr lang="cs-CZ" dirty="0" err="1"/>
+              <a:t>cities</a:t>
+            </a:r>
+            <a:r>
+              <a:rPr lang="cs-CZ" dirty="0"/>
+              <a:t>, </a:t>
+            </a:r>
+            <a:r>
+              <a:rPr lang="cs-CZ" dirty="0" err="1"/>
+              <a:t>transportation</a:t>
+            </a:r>
+            <a:r>
+              <a:rPr lang="cs-CZ" dirty="0"/>
+              <a:t>, </a:t>
+            </a:r>
+            <a:r>
+              <a:rPr lang="cs-CZ" dirty="0" err="1"/>
+              <a:t>healthcare</a:t>
+            </a:r>
+            <a:endParaRPr lang="cs-CZ" dirty="0"/>
+          </a:p>
+          <a:p>
+            <a:r>
+              <a:rPr lang="cs-CZ" dirty="0" err="1"/>
+              <a:t>Ocean</a:t>
+            </a:r>
+            <a:r>
+              <a:rPr lang="cs-CZ" dirty="0"/>
+              <a:t> </a:t>
+            </a:r>
+            <a:r>
+              <a:rPr lang="cs-CZ" dirty="0" err="1"/>
+              <a:t>of</a:t>
+            </a:r>
+            <a:r>
+              <a:rPr lang="cs-CZ" dirty="0"/>
+              <a:t> </a:t>
+            </a:r>
+            <a:r>
+              <a:rPr lang="cs-CZ" dirty="0" err="1"/>
+              <a:t>things</a:t>
+            </a:r>
+            <a:r>
+              <a:rPr lang="cs-CZ" dirty="0"/>
+              <a:t>, internet </a:t>
+            </a:r>
+            <a:r>
+              <a:rPr lang="cs-CZ" dirty="0" err="1"/>
+              <a:t>of</a:t>
+            </a:r>
+            <a:r>
+              <a:rPr lang="cs-CZ" dirty="0"/>
+              <a:t> </a:t>
+            </a:r>
+            <a:r>
+              <a:rPr lang="cs-CZ" dirty="0" err="1"/>
+              <a:t>battlefield</a:t>
+            </a:r>
+            <a:r>
+              <a:rPr lang="cs-CZ" dirty="0"/>
+              <a:t> </a:t>
+            </a:r>
+            <a:r>
+              <a:rPr lang="cs-CZ" dirty="0" err="1"/>
+              <a:t>things</a:t>
+            </a:r>
+            <a:endParaRPr lang="cs-CZ" dirty="0"/>
+          </a:p>
+          <a:p>
+            <a:endParaRPr lang="cs-CZ" dirty="0"/>
+          </a:p>
+        </p:txBody>
+      </p:sp>
     </p:spTree>
     <p:extLst>
       <p:ext uri="{BB962C8B-B14F-4D97-AF65-F5344CB8AC3E}">
-        <p14:creationId xmlns:p14="http://schemas.microsoft.com/office/powerpoint/2010/main" val="10016462"/>
+        <p14:creationId xmlns:p14="http://schemas.microsoft.com/office/powerpoint/2010/main" val="3889195550"/>
       </p:ext>
     </p:extLst>
   </p:cSld>
@@ -3621,7 +3704,7 @@
           <p:cNvPr id="2" name="Nadpis 1">
             <a:extLst>
               <a:ext uri="{FF2B5EF4-FFF2-40B4-BE49-F238E27FC236}">
-                <a16:creationId xmlns:a16="http://schemas.microsoft.com/office/drawing/2014/main" id="{6DDD853E-4513-CAA6-2817-A6BE538532FF}"/>
+                <a16:creationId xmlns:a16="http://schemas.microsoft.com/office/drawing/2014/main" id="{AB95D359-BDB7-E848-1132-F1787981C5C2}"/>
               </a:ext>
             </a:extLst>
           </p:cNvPr>
@@ -3641,45 +3724,110 @@
           </a:p>
         </p:txBody>
       </p:sp>
-      <p:pic>
-        <p:nvPicPr>
-          <p:cNvPr id="5" name="Zástupný obsah 4" descr="Obsah obrázku text, snímek obrazovky, diagram, řada/pruh&#10;&#10;Popis byl vytvořen automaticky">
-            <a:extLst>
-              <a:ext uri="{FF2B5EF4-FFF2-40B4-BE49-F238E27FC236}">
-                <a16:creationId xmlns:a16="http://schemas.microsoft.com/office/drawing/2014/main" id="{4EA05307-AB61-94F2-B8E5-509DCDD52C1C}"/>
-              </a:ext>
-            </a:extLst>
-          </p:cNvPr>
-          <p:cNvPicPr>
-            <a:picLocks noGrp="1" noChangeAspect="1"/>
-          </p:cNvPicPr>
+      <p:sp>
+        <p:nvSpPr>
+          <p:cNvPr id="3" name="Zástupný obsah 2">
+            <a:extLst>
+              <a:ext uri="{FF2B5EF4-FFF2-40B4-BE49-F238E27FC236}">
+                <a16:creationId xmlns:a16="http://schemas.microsoft.com/office/drawing/2014/main" id="{1E6FA4AF-B154-DB2D-332B-7A2E6E302DC8}"/>
+              </a:ext>
+            </a:extLst>
+          </p:cNvPr>
+          <p:cNvSpPr>
+            <a:spLocks noGrp="1"/>
+          </p:cNvSpPr>
           <p:nvPr>
             <p:ph idx="1"/>
           </p:nvPr>
-        </p:nvPicPr>
-        <p:blipFill>
-          <a:blip r:embed="rId2">
-            <a:extLst>
-              <a:ext uri="{28A0092B-C50C-407E-A947-70E740481C1C}">
-                <a14:useLocalDpi xmlns:a14="http://schemas.microsoft.com/office/drawing/2010/main" val="0"/>
-              </a:ext>
-            </a:extLst>
-          </a:blip>
-          <a:stretch>
-            <a:fillRect/>
-          </a:stretch>
-        </p:blipFill>
-        <p:spPr>
-          <a:xfrm>
-            <a:off x="1585452" y="541704"/>
-            <a:ext cx="8436316" cy="5774591"/>
-          </a:xfrm>
-        </p:spPr>
-      </p:pic>
+        </p:nvSpPr>
+        <p:spPr/>
+        <p:txBody>
+          <a:bodyPr/>
+          <a:lstStyle/>
+          <a:p>
+            <a:r>
+              <a:rPr lang="cs-CZ" dirty="0" err="1"/>
+              <a:t>Lighting</a:t>
+            </a:r>
+            <a:r>
+              <a:rPr lang="cs-CZ" dirty="0"/>
+              <a:t> </a:t>
+            </a:r>
+            <a:r>
+              <a:rPr lang="cs-CZ" dirty="0" err="1"/>
+              <a:t>Control</a:t>
+            </a:r>
+            <a:endParaRPr lang="cs-CZ" dirty="0"/>
+          </a:p>
+          <a:p>
+            <a:r>
+              <a:rPr lang="cs-CZ" dirty="0" err="1"/>
+              <a:t>Climate</a:t>
+            </a:r>
+            <a:r>
+              <a:rPr lang="cs-CZ" dirty="0"/>
+              <a:t> </a:t>
+            </a:r>
+            <a:r>
+              <a:rPr lang="cs-CZ" dirty="0" err="1"/>
+              <a:t>control</a:t>
+            </a:r>
+            <a:endParaRPr lang="cs-CZ" dirty="0"/>
+          </a:p>
+          <a:p>
+            <a:r>
+              <a:rPr lang="cs-CZ" dirty="0" err="1"/>
+              <a:t>Security</a:t>
+            </a:r>
+            <a:r>
+              <a:rPr lang="cs-CZ" dirty="0"/>
+              <a:t> and </a:t>
+            </a:r>
+            <a:r>
+              <a:rPr lang="cs-CZ" dirty="0" err="1"/>
+              <a:t>surveilance</a:t>
+            </a:r>
+            <a:endParaRPr lang="cs-CZ" dirty="0"/>
+          </a:p>
+          <a:p>
+            <a:r>
+              <a:rPr lang="cs-CZ" dirty="0" err="1"/>
+              <a:t>Home</a:t>
+            </a:r>
+            <a:r>
+              <a:rPr lang="cs-CZ" dirty="0"/>
+              <a:t> </a:t>
+            </a:r>
+            <a:r>
+              <a:rPr lang="cs-CZ" dirty="0" err="1"/>
+              <a:t>entertainment</a:t>
+            </a:r>
+            <a:endParaRPr lang="cs-CZ" dirty="0"/>
+          </a:p>
+          <a:p>
+            <a:r>
+              <a:rPr lang="cs-CZ" dirty="0" err="1"/>
+              <a:t>Appliance</a:t>
+            </a:r>
+            <a:r>
+              <a:rPr lang="cs-CZ" dirty="0"/>
+              <a:t> </a:t>
+            </a:r>
+            <a:r>
+              <a:rPr lang="cs-CZ" dirty="0" err="1"/>
+              <a:t>control</a:t>
+            </a:r>
+            <a:endParaRPr lang="cs-CZ" dirty="0"/>
+          </a:p>
+          <a:p>
+            <a:endParaRPr lang="cs-CZ" dirty="0"/>
+          </a:p>
+        </p:txBody>
+      </p:sp>
     </p:spTree>
     <p:extLst>
       <p:ext uri="{BB962C8B-B14F-4D97-AF65-F5344CB8AC3E}">
-        <p14:creationId xmlns:p14="http://schemas.microsoft.com/office/powerpoint/2010/main" val="3830172652"/>
+        <p14:creationId xmlns:p14="http://schemas.microsoft.com/office/powerpoint/2010/main" val="3445461701"/>
       </p:ext>
     </p:extLst>
   </p:cSld>
@@ -3711,7 +3859,7 @@
           <p:cNvPr id="2" name="Nadpis 1">
             <a:extLst>
               <a:ext uri="{FF2B5EF4-FFF2-40B4-BE49-F238E27FC236}">
-                <a16:creationId xmlns:a16="http://schemas.microsoft.com/office/drawing/2014/main" id="{95C898EE-338C-17D3-479B-C97BCABA1F54}"/>
+                <a16:creationId xmlns:a16="http://schemas.microsoft.com/office/drawing/2014/main" id="{95545A1B-C20B-D1A3-4A72-5FB6532A59FC}"/>
               </a:ext>
             </a:extLst>
           </p:cNvPr>
@@ -3727,16 +3875,36 @@
           <a:bodyPr/>
           <a:lstStyle/>
           <a:p>
-            <a:endParaRPr lang="cs-CZ"/>
+            <a:r>
+              <a:rPr lang="cs-CZ" dirty="0" err="1"/>
+              <a:t>Home</a:t>
+            </a:r>
+            <a:r>
+              <a:rPr lang="cs-CZ" dirty="0"/>
+              <a:t> </a:t>
+            </a:r>
+            <a:r>
+              <a:rPr lang="cs-CZ" dirty="0" err="1"/>
+              <a:t>automation</a:t>
+            </a:r>
+            <a:r>
+              <a:rPr lang="cs-CZ" dirty="0"/>
+              <a:t> </a:t>
+            </a:r>
+            <a:r>
+              <a:rPr lang="cs-CZ" dirty="0" err="1"/>
+              <a:t>systems</a:t>
+            </a:r>
+            <a:endParaRPr lang="cs-CZ" dirty="0"/>
           </a:p>
         </p:txBody>
       </p:sp>
       <p:pic>
         <p:nvPicPr>
-          <p:cNvPr id="9" name="Zástupný obsah 8" descr="Obsah obrázku text, diagram, řada/pruh, Paralelní&#10;&#10;Popis byl vytvořen automaticky">
-            <a:extLst>
-              <a:ext uri="{FF2B5EF4-FFF2-40B4-BE49-F238E27FC236}">
-                <a16:creationId xmlns:a16="http://schemas.microsoft.com/office/drawing/2014/main" id="{93745A71-4179-648D-3283-613515FAEA54}"/>
+          <p:cNvPr id="5" name="Zástupný obsah 4">
+            <a:extLst>
+              <a:ext uri="{FF2B5EF4-FFF2-40B4-BE49-F238E27FC236}">
+                <a16:creationId xmlns:a16="http://schemas.microsoft.com/office/drawing/2014/main" id="{780C5F87-5DDA-9F8B-A116-EE9557A80D9C}"/>
               </a:ext>
             </a:extLst>
           </p:cNvPr>
@@ -3752,6 +3920,9 @@
             <a:extLst>
               <a:ext uri="{28A0092B-C50C-407E-A947-70E740481C1C}">
                 <a14:useLocalDpi xmlns:a14="http://schemas.microsoft.com/office/drawing/2010/main" val="0"/>
+              </a:ext>
+              <a:ext uri="{96DAC541-7B7A-43D3-8B79-37D633B846F1}">
+                <asvg:svgBlip xmlns:asvg="http://schemas.microsoft.com/office/drawing/2016/SVG/main" r:embed="rId3"/>
               </a:ext>
             </a:extLst>
           </a:blip>
@@ -3761,15 +3932,123 @@
         </p:blipFill>
         <p:spPr>
           <a:xfrm>
-            <a:off x="1883080" y="257271"/>
-            <a:ext cx="8425839" cy="5919692"/>
+            <a:off x="1194711" y="1383321"/>
+            <a:ext cx="3145767" cy="3145767"/>
           </a:xfrm>
+        </p:spPr>
+      </p:pic>
+      <p:pic>
+        <p:nvPicPr>
+          <p:cNvPr id="11" name="Obrázek 10" descr="Obsah obrázku snímek obrazovky, Barevnost, Grafika, Obdélník&#10;&#10;Popis byl vytvořen automaticky">
+            <a:extLst>
+              <a:ext uri="{FF2B5EF4-FFF2-40B4-BE49-F238E27FC236}">
+                <a16:creationId xmlns:a16="http://schemas.microsoft.com/office/drawing/2014/main" id="{0D57E88C-31E4-8410-0975-F244248475BB}"/>
+              </a:ext>
+            </a:extLst>
+          </p:cNvPr>
+          <p:cNvPicPr>
+            <a:picLocks noChangeAspect="1"/>
+          </p:cNvPicPr>
+          <p:nvPr/>
+        </p:nvPicPr>
+        <p:blipFill>
+          <a:blip r:embed="rId4" cstate="email">
+            <a:extLst>
+              <a:ext uri="{28A0092B-C50C-407E-A947-70E740481C1C}">
+                <a14:useLocalDpi xmlns:a14="http://schemas.microsoft.com/office/drawing/2010/main"/>
+              </a:ext>
+            </a:extLst>
+          </a:blip>
+          <a:stretch>
+            <a:fillRect/>
+          </a:stretch>
+        </p:blipFill>
+        <p:spPr>
+          <a:xfrm>
+            <a:off x="421111" y="3901795"/>
+            <a:ext cx="2069060" cy="2133051"/>
+          </a:xfrm>
+          <a:prstGeom prst="rect">
+            <a:avLst/>
+          </a:prstGeom>
+        </p:spPr>
+      </p:pic>
+      <p:pic>
+        <p:nvPicPr>
+          <p:cNvPr id="13" name="Obrázek 12" descr="Obsah obrázku kruh, Grafika&#10;&#10;Popis byl vytvořen automaticky">
+            <a:extLst>
+              <a:ext uri="{FF2B5EF4-FFF2-40B4-BE49-F238E27FC236}">
+                <a16:creationId xmlns:a16="http://schemas.microsoft.com/office/drawing/2014/main" id="{7B5216EE-CCB7-ED2D-6313-144EA7CD935F}"/>
+              </a:ext>
+            </a:extLst>
+          </p:cNvPr>
+          <p:cNvPicPr>
+            <a:picLocks noChangeAspect="1"/>
+          </p:cNvPicPr>
+          <p:nvPr/>
+        </p:nvPicPr>
+        <p:blipFill>
+          <a:blip r:embed="rId5" cstate="email">
+            <a:extLst>
+              <a:ext uri="{28A0092B-C50C-407E-A947-70E740481C1C}">
+                <a14:useLocalDpi xmlns:a14="http://schemas.microsoft.com/office/drawing/2010/main"/>
+              </a:ext>
+            </a:extLst>
+          </a:blip>
+          <a:stretch>
+            <a:fillRect/>
+          </a:stretch>
+        </p:blipFill>
+        <p:spPr>
+          <a:xfrm>
+            <a:off x="3373229" y="3734483"/>
+            <a:ext cx="2300363" cy="2300363"/>
+          </a:xfrm>
+          <a:prstGeom prst="rect">
+            <a:avLst/>
+          </a:prstGeom>
+        </p:spPr>
+      </p:pic>
+      <p:pic>
+        <p:nvPicPr>
+          <p:cNvPr id="15" name="Obrázek 14" descr="Obsah obrázku Grafika, symbol, Písmo, design&#10;&#10;Popis byl vytvořen automaticky">
+            <a:extLst>
+              <a:ext uri="{FF2B5EF4-FFF2-40B4-BE49-F238E27FC236}">
+                <a16:creationId xmlns:a16="http://schemas.microsoft.com/office/drawing/2014/main" id="{38C8D15C-C963-FDB0-4853-3D62A58F48C6}"/>
+              </a:ext>
+            </a:extLst>
+          </p:cNvPr>
+          <p:cNvPicPr>
+            <a:picLocks noChangeAspect="1"/>
+          </p:cNvPicPr>
+          <p:nvPr/>
+        </p:nvPicPr>
+        <p:blipFill>
+          <a:blip r:embed="rId6" cstate="email">
+            <a:extLst>
+              <a:ext uri="{28A0092B-C50C-407E-A947-70E740481C1C}">
+                <a14:useLocalDpi xmlns:a14="http://schemas.microsoft.com/office/drawing/2010/main"/>
+              </a:ext>
+            </a:extLst>
+          </a:blip>
+          <a:stretch>
+            <a:fillRect/>
+          </a:stretch>
+        </p:blipFill>
+        <p:spPr>
+          <a:xfrm>
+            <a:off x="7668590" y="2237445"/>
+            <a:ext cx="3328699" cy="3328699"/>
+          </a:xfrm>
+          <a:prstGeom prst="rect">
+            <a:avLst/>
+          </a:prstGeom>
         </p:spPr>
       </p:pic>
     </p:spTree>
     <p:extLst>
       <p:ext uri="{BB962C8B-B14F-4D97-AF65-F5344CB8AC3E}">
-        <p14:creationId xmlns:p14="http://schemas.microsoft.com/office/powerpoint/2010/main" val="1808376838"/>
+        <p14:creationId xmlns:p14="http://schemas.microsoft.com/office/powerpoint/2010/main" val="1912765052"/>
       </p:ext>
     </p:extLst>
   </p:cSld>
@@ -3801,7 +4080,7 @@
           <p:cNvPr id="2" name="Nadpis 1">
             <a:extLst>
               <a:ext uri="{FF2B5EF4-FFF2-40B4-BE49-F238E27FC236}">
-                <a16:creationId xmlns:a16="http://schemas.microsoft.com/office/drawing/2014/main" id="{B8CD297A-9842-1E2F-A7B4-04C3BA4964D9}"/>
+                <a16:creationId xmlns:a16="http://schemas.microsoft.com/office/drawing/2014/main" id="{8F9CC56E-9316-168B-64E6-632369F61000}"/>
               </a:ext>
             </a:extLst>
           </p:cNvPr>
@@ -3812,36 +4091,103 @@
             <p:ph type="title"/>
           </p:nvPr>
         </p:nvSpPr>
-        <p:spPr/>
-        <p:txBody>
-          <a:bodyPr/>
-          <a:lstStyle/>
-          <a:p>
-            <a:endParaRPr lang="cs-CZ"/>
+        <p:spPr>
+          <a:xfrm>
+            <a:off x="1376854" y="365125"/>
+            <a:ext cx="9976945" cy="1325563"/>
+          </a:xfrm>
+        </p:spPr>
+        <p:txBody>
+          <a:bodyPr/>
+          <a:lstStyle/>
+          <a:p>
+            <a:endParaRPr lang="cs-CZ" dirty="0"/>
+          </a:p>
+        </p:txBody>
+      </p:sp>
+      <p:sp>
+        <p:nvSpPr>
+          <p:cNvPr id="3" name="Zástupný obsah 2">
+            <a:extLst>
+              <a:ext uri="{FF2B5EF4-FFF2-40B4-BE49-F238E27FC236}">
+                <a16:creationId xmlns:a16="http://schemas.microsoft.com/office/drawing/2014/main" id="{57505CBC-9D8B-EDB4-E430-2334374243A2}"/>
+              </a:ext>
+            </a:extLst>
+          </p:cNvPr>
+          <p:cNvSpPr>
+            <a:spLocks noGrp="1"/>
+          </p:cNvSpPr>
+          <p:nvPr>
+            <p:ph idx="1"/>
+          </p:nvPr>
+        </p:nvSpPr>
+        <p:spPr>
+          <a:xfrm>
+            <a:off x="830317" y="2427889"/>
+            <a:ext cx="10523483" cy="3749073"/>
+          </a:xfrm>
+        </p:spPr>
+        <p:txBody>
+          <a:bodyPr/>
+          <a:lstStyle/>
+          <a:p>
+            <a:r>
+              <a:rPr lang="cs-CZ" dirty="0" err="1"/>
+              <a:t>Low-power</a:t>
+            </a:r>
+            <a:endParaRPr lang="cs-CZ" dirty="0"/>
+          </a:p>
+          <a:p>
+            <a:r>
+              <a:rPr lang="cs-CZ" dirty="0" err="1"/>
+              <a:t>Mesh</a:t>
+            </a:r>
+            <a:r>
+              <a:rPr lang="cs-CZ" dirty="0"/>
+              <a:t> </a:t>
+            </a:r>
+            <a:r>
+              <a:rPr lang="cs-CZ" dirty="0" err="1"/>
+              <a:t>networks</a:t>
+            </a:r>
+            <a:endParaRPr lang="cs-CZ" dirty="0"/>
+          </a:p>
+          <a:p>
+            <a:r>
+              <a:rPr lang="cs-CZ" dirty="0" err="1"/>
+              <a:t>Coordinator</a:t>
+            </a:r>
+            <a:r>
+              <a:rPr lang="cs-CZ" dirty="0"/>
+              <a:t>, router, end </a:t>
+            </a:r>
+            <a:r>
+              <a:rPr lang="cs-CZ" dirty="0" err="1"/>
+              <a:t>device</a:t>
+            </a:r>
+            <a:endParaRPr lang="cs-CZ" dirty="0"/>
           </a:p>
         </p:txBody>
       </p:sp>
       <p:pic>
         <p:nvPicPr>
-          <p:cNvPr id="5" name="Zástupný obsah 4" descr="Obsah obrázku text, snímek obrazovky, řada/pruh, Paralelní&#10;&#10;Popis byl vytvořen automaticky">
-            <a:extLst>
-              <a:ext uri="{FF2B5EF4-FFF2-40B4-BE49-F238E27FC236}">
-                <a16:creationId xmlns:a16="http://schemas.microsoft.com/office/drawing/2014/main" id="{9EBE0F42-B02A-422E-629D-B796D00CB58D}"/>
+          <p:cNvPr id="20" name="Obrázek 19" descr="Obsah obrázku Grafika, grafický design, logo, design&#10;&#10;Popis byl vytvořen automaticky">
+            <a:extLst>
+              <a:ext uri="{FF2B5EF4-FFF2-40B4-BE49-F238E27FC236}">
+                <a16:creationId xmlns:a16="http://schemas.microsoft.com/office/drawing/2014/main" id="{2895341D-BB1F-F17E-5163-94135B5DD243}"/>
               </a:ext>
             </a:extLst>
           </p:cNvPr>
           <p:cNvPicPr>
-            <a:picLocks noGrp="1" noChangeAspect="1"/>
+            <a:picLocks noChangeAspect="1"/>
           </p:cNvPicPr>
-          <p:nvPr>
-            <p:ph idx="1"/>
-          </p:nvPr>
+          <p:nvPr/>
         </p:nvPicPr>
         <p:blipFill>
-          <a:blip r:embed="rId2">
+          <a:blip r:embed="rId2" cstate="email">
             <a:extLst>
               <a:ext uri="{28A0092B-C50C-407E-A947-70E740481C1C}">
-                <a14:useLocalDpi xmlns:a14="http://schemas.microsoft.com/office/drawing/2010/main" val="0"/>
+                <a14:useLocalDpi xmlns:a14="http://schemas.microsoft.com/office/drawing/2010/main"/>
               </a:ext>
             </a:extLst>
           </a:blip>
@@ -3851,15 +4197,125 @@
         </p:blipFill>
         <p:spPr>
           <a:xfrm>
-            <a:off x="3710227" y="365125"/>
-            <a:ext cx="4771545" cy="5955279"/>
+            <a:off x="830317" y="365125"/>
+            <a:ext cx="5663198" cy="1353858"/>
           </a:xfrm>
+          <a:prstGeom prst="rect">
+            <a:avLst/>
+          </a:prstGeom>
+        </p:spPr>
+      </p:pic>
+      <p:pic>
+        <p:nvPicPr>
+          <p:cNvPr id="22" name="Obrázek 21" descr="Obsah obrázku text, baterie&#10;&#10;Popis byl vytvořen automaticky">
+            <a:extLst>
+              <a:ext uri="{FF2B5EF4-FFF2-40B4-BE49-F238E27FC236}">
+                <a16:creationId xmlns:a16="http://schemas.microsoft.com/office/drawing/2014/main" id="{5014D3BA-2089-7B93-754A-E192C566DC66}"/>
+              </a:ext>
+            </a:extLst>
+          </p:cNvPr>
+          <p:cNvPicPr>
+            <a:picLocks noChangeAspect="1"/>
+          </p:cNvPicPr>
+          <p:nvPr/>
+        </p:nvPicPr>
+        <p:blipFill>
+          <a:blip r:embed="rId3" cstate="email">
+            <a:extLst>
+              <a:ext uri="{28A0092B-C50C-407E-A947-70E740481C1C}">
+                <a14:useLocalDpi xmlns:a14="http://schemas.microsoft.com/office/drawing/2010/main"/>
+              </a:ext>
+            </a:extLst>
+          </a:blip>
+          <a:stretch>
+            <a:fillRect/>
+          </a:stretch>
+        </p:blipFill>
+        <p:spPr>
+          <a:xfrm>
+            <a:off x="8365485" y="-61596"/>
+            <a:ext cx="3826515" cy="3826515"/>
+          </a:xfrm>
+          <a:prstGeom prst="rect">
+            <a:avLst/>
+          </a:prstGeom>
+        </p:spPr>
+      </p:pic>
+      <p:pic>
+        <p:nvPicPr>
+          <p:cNvPr id="24" name="Obrázek 23" descr="Obsah obrázku text, Elektronické zařízení, jednotka, dálkový ovladač&#10;&#10;Popis byl vytvořen automaticky">
+            <a:extLst>
+              <a:ext uri="{FF2B5EF4-FFF2-40B4-BE49-F238E27FC236}">
+                <a16:creationId xmlns:a16="http://schemas.microsoft.com/office/drawing/2014/main" id="{358CA591-B675-906F-CE42-1B671F7B9EE4}"/>
+              </a:ext>
+            </a:extLst>
+          </p:cNvPr>
+          <p:cNvPicPr>
+            <a:picLocks noChangeAspect="1"/>
+          </p:cNvPicPr>
+          <p:nvPr/>
+        </p:nvPicPr>
+        <p:blipFill>
+          <a:blip r:embed="rId4" cstate="email">
+            <a:extLst>
+              <a:ext uri="{28A0092B-C50C-407E-A947-70E740481C1C}">
+                <a14:useLocalDpi xmlns:a14="http://schemas.microsoft.com/office/drawing/2010/main"/>
+              </a:ext>
+            </a:extLst>
+          </a:blip>
+          <a:stretch>
+            <a:fillRect/>
+          </a:stretch>
+        </p:blipFill>
+        <p:spPr>
+          <a:xfrm>
+            <a:off x="9385787" y="3718156"/>
+            <a:ext cx="2633819" cy="2633819"/>
+          </a:xfrm>
+          <a:prstGeom prst="rect">
+            <a:avLst/>
+          </a:prstGeom>
+        </p:spPr>
+      </p:pic>
+      <p:pic>
+        <p:nvPicPr>
+          <p:cNvPr id="26" name="Obrázek 25" descr="Obsah obrázku design&#10;&#10;Popis byl vytvořen automaticky">
+            <a:extLst>
+              <a:ext uri="{FF2B5EF4-FFF2-40B4-BE49-F238E27FC236}">
+                <a16:creationId xmlns:a16="http://schemas.microsoft.com/office/drawing/2014/main" id="{92CE0F74-F14D-EA3E-0E21-FACD90ECFCFE}"/>
+              </a:ext>
+            </a:extLst>
+          </p:cNvPr>
+          <p:cNvPicPr>
+            <a:picLocks noChangeAspect="1"/>
+          </p:cNvPicPr>
+          <p:nvPr/>
+        </p:nvPicPr>
+        <p:blipFill rotWithShape="1">
+          <a:blip r:embed="rId5">
+            <a:extLst>
+              <a:ext uri="{28A0092B-C50C-407E-A947-70E740481C1C}">
+                <a14:useLocalDpi xmlns:a14="http://schemas.microsoft.com/office/drawing/2010/main" val="0"/>
+              </a:ext>
+            </a:extLst>
+          </a:blip>
+          <a:srcRect t="-19943" b="19943"/>
+          <a:stretch/>
+        </p:blipFill>
+        <p:spPr>
+          <a:xfrm>
+            <a:off x="6365326" y="3409822"/>
+            <a:ext cx="3278755" cy="3297251"/>
+          </a:xfrm>
+          <a:prstGeom prst="rect">
+            <a:avLst/>
+          </a:prstGeom>
         </p:spPr>
       </p:pic>
     </p:spTree>
     <p:extLst>
       <p:ext uri="{BB962C8B-B14F-4D97-AF65-F5344CB8AC3E}">
-        <p14:creationId xmlns:p14="http://schemas.microsoft.com/office/powerpoint/2010/main" val="2708685864"/>
+        <p14:creationId xmlns:p14="http://schemas.microsoft.com/office/powerpoint/2010/main" val="3515421612"/>
       </p:ext>
     </p:extLst>
   </p:cSld>
@@ -3891,7 +4347,7 @@
           <p:cNvPr id="2" name="Nadpis 1">
             <a:extLst>
               <a:ext uri="{FF2B5EF4-FFF2-40B4-BE49-F238E27FC236}">
-                <a16:creationId xmlns:a16="http://schemas.microsoft.com/office/drawing/2014/main" id="{93D1A408-A06E-2F87-0ECF-3AD59AC63E5C}"/>
+                <a16:creationId xmlns:a16="http://schemas.microsoft.com/office/drawing/2014/main" id="{62350FF1-1DA3-AB25-61ED-8FCF8C24DAB2}"/>
               </a:ext>
             </a:extLst>
           </p:cNvPr>
@@ -3907,49 +4363,72 @@
           <a:bodyPr/>
           <a:lstStyle/>
           <a:p>
-            <a:endParaRPr lang="cs-CZ"/>
-          </a:p>
-        </p:txBody>
-      </p:sp>
-      <p:pic>
-        <p:nvPicPr>
-          <p:cNvPr id="5" name="Zástupný obsah 4" descr="Obsah obrázku text, snímek obrazovky, diagram, Písmo&#10;&#10;Popis byl vytvořen automaticky">
-            <a:extLst>
-              <a:ext uri="{FF2B5EF4-FFF2-40B4-BE49-F238E27FC236}">
-                <a16:creationId xmlns:a16="http://schemas.microsoft.com/office/drawing/2014/main" id="{38ECF82F-FDAB-498A-837E-45FB7752605F}"/>
-              </a:ext>
-            </a:extLst>
-          </p:cNvPr>
-          <p:cNvPicPr>
-            <a:picLocks noGrp="1" noChangeAspect="1"/>
-          </p:cNvPicPr>
+            <a:r>
+              <a:rPr lang="cs-CZ" dirty="0" err="1"/>
+              <a:t>Security</a:t>
+            </a:r>
+            <a:endParaRPr lang="cs-CZ" dirty="0"/>
+          </a:p>
+        </p:txBody>
+      </p:sp>
+      <p:sp>
+        <p:nvSpPr>
+          <p:cNvPr id="3" name="Zástupný obsah 2">
+            <a:extLst>
+              <a:ext uri="{FF2B5EF4-FFF2-40B4-BE49-F238E27FC236}">
+                <a16:creationId xmlns:a16="http://schemas.microsoft.com/office/drawing/2014/main" id="{5EEB42A4-704F-17F5-DEDF-02962ABFFF01}"/>
+              </a:ext>
+            </a:extLst>
+          </p:cNvPr>
+          <p:cNvSpPr>
+            <a:spLocks noGrp="1"/>
+          </p:cNvSpPr>
           <p:nvPr>
             <p:ph idx="1"/>
           </p:nvPr>
-        </p:nvPicPr>
-        <p:blipFill>
-          <a:blip r:embed="rId2">
-            <a:extLst>
-              <a:ext uri="{28A0092B-C50C-407E-A947-70E740481C1C}">
-                <a14:useLocalDpi xmlns:a14="http://schemas.microsoft.com/office/drawing/2010/main" val="0"/>
-              </a:ext>
-            </a:extLst>
-          </a:blip>
-          <a:stretch>
-            <a:fillRect/>
-          </a:stretch>
-        </p:blipFill>
-        <p:spPr>
-          <a:xfrm>
-            <a:off x="1185649" y="776505"/>
-            <a:ext cx="9820701" cy="5304990"/>
-          </a:xfrm>
-        </p:spPr>
-      </p:pic>
+        </p:nvSpPr>
+        <p:spPr/>
+        <p:txBody>
+          <a:bodyPr/>
+          <a:lstStyle/>
+          <a:p>
+            <a:r>
+              <a:rPr lang="cs-CZ" dirty="0" err="1"/>
+              <a:t>Passwords</a:t>
+            </a:r>
+            <a:endParaRPr lang="cs-CZ" dirty="0"/>
+          </a:p>
+          <a:p>
+            <a:r>
+              <a:rPr lang="cs-CZ" dirty="0"/>
+              <a:t>Update firmware</a:t>
+            </a:r>
+          </a:p>
+          <a:p>
+            <a:r>
+              <a:rPr lang="cs-CZ" dirty="0"/>
+              <a:t>Limit </a:t>
+            </a:r>
+            <a:r>
+              <a:rPr lang="cs-CZ" dirty="0" err="1"/>
+              <a:t>remote</a:t>
+            </a:r>
+            <a:r>
+              <a:rPr lang="cs-CZ" dirty="0"/>
+              <a:t> </a:t>
+            </a:r>
+            <a:r>
+              <a:rPr lang="cs-CZ" dirty="0" err="1"/>
+              <a:t>access</a:t>
+            </a:r>
+            <a:endParaRPr lang="cs-CZ" dirty="0"/>
+          </a:p>
+        </p:txBody>
+      </p:sp>
     </p:spTree>
     <p:extLst>
       <p:ext uri="{BB962C8B-B14F-4D97-AF65-F5344CB8AC3E}">
-        <p14:creationId xmlns:p14="http://schemas.microsoft.com/office/powerpoint/2010/main" val="3161204663"/>
+        <p14:creationId xmlns:p14="http://schemas.microsoft.com/office/powerpoint/2010/main" val="1597306045"/>
       </p:ext>
     </p:extLst>
   </p:cSld>
@@ -3981,7 +4460,7 @@
           <p:cNvPr id="2" name="Nadpis 1">
             <a:extLst>
               <a:ext uri="{FF2B5EF4-FFF2-40B4-BE49-F238E27FC236}">
-                <a16:creationId xmlns:a16="http://schemas.microsoft.com/office/drawing/2014/main" id="{C32656C8-65D0-667C-40FF-30BDFE8777F6}"/>
+                <a16:creationId xmlns:a16="http://schemas.microsoft.com/office/drawing/2014/main" id="{3B2518FE-4161-FA82-85C7-04A3C599209E}"/>
               </a:ext>
             </a:extLst>
           </p:cNvPr>
@@ -3997,229 +4476,226 @@
           <a:bodyPr/>
           <a:lstStyle/>
           <a:p>
-            <a:endParaRPr lang="cs-CZ"/>
-          </a:p>
-        </p:txBody>
-      </p:sp>
-      <p:pic>
-        <p:nvPicPr>
-          <p:cNvPr id="5" name="Zástupný obsah 4" descr="Obsah obrázku text, snímek obrazovky, Písmo, řada/pruh&#10;&#10;Popis byl vytvořen automaticky">
-            <a:extLst>
-              <a:ext uri="{FF2B5EF4-FFF2-40B4-BE49-F238E27FC236}">
-                <a16:creationId xmlns:a16="http://schemas.microsoft.com/office/drawing/2014/main" id="{A51F9BD6-ABED-5BA5-D7E9-FCFBAC150C23}"/>
-              </a:ext>
-            </a:extLst>
-          </p:cNvPr>
-          <p:cNvPicPr>
-            <a:picLocks noGrp="1" noChangeAspect="1"/>
-          </p:cNvPicPr>
+            <a:r>
+              <a:rPr lang="cs-CZ" dirty="0" err="1"/>
+              <a:t>vocabulary</a:t>
+            </a:r>
+            <a:endParaRPr lang="cs-CZ" dirty="0"/>
+          </a:p>
+        </p:txBody>
+      </p:sp>
+      <p:sp>
+        <p:nvSpPr>
+          <p:cNvPr id="3" name="Zástupný obsah 2">
+            <a:extLst>
+              <a:ext uri="{FF2B5EF4-FFF2-40B4-BE49-F238E27FC236}">
+                <a16:creationId xmlns:a16="http://schemas.microsoft.com/office/drawing/2014/main" id="{1D8821D1-EF1B-03FA-C1DF-13DCCCC4A58F}"/>
+              </a:ext>
+            </a:extLst>
+          </p:cNvPr>
+          <p:cNvSpPr>
+            <a:spLocks noGrp="1"/>
+          </p:cNvSpPr>
           <p:nvPr>
             <p:ph idx="1"/>
           </p:nvPr>
-        </p:nvPicPr>
-        <p:blipFill>
-          <a:blip r:embed="rId2">
-            <a:extLst>
-              <a:ext uri="{28A0092B-C50C-407E-A947-70E740481C1C}">
-                <a14:useLocalDpi xmlns:a14="http://schemas.microsoft.com/office/drawing/2010/main" val="0"/>
-              </a:ext>
-            </a:extLst>
-          </a:blip>
-          <a:stretch>
-            <a:fillRect/>
-          </a:stretch>
-        </p:blipFill>
-        <p:spPr>
-          <a:xfrm>
-            <a:off x="1409535" y="832118"/>
-            <a:ext cx="9372930" cy="5193763"/>
-          </a:xfrm>
-        </p:spPr>
-      </p:pic>
+        </p:nvSpPr>
+        <p:spPr/>
+        <p:txBody>
+          <a:bodyPr/>
+          <a:lstStyle/>
+          <a:p>
+            <a:r>
+              <a:rPr lang="cs-CZ" dirty="0" err="1"/>
+              <a:t>Versatile</a:t>
+            </a:r>
+            <a:r>
+              <a:rPr lang="cs-CZ" dirty="0"/>
+              <a:t> – </a:t>
+            </a:r>
+            <a:r>
+              <a:rPr lang="cs-CZ" dirty="0" err="1"/>
+              <a:t>seful</a:t>
+            </a:r>
+            <a:r>
+              <a:rPr lang="cs-CZ" dirty="0"/>
+              <a:t> </a:t>
+            </a:r>
+            <a:r>
+              <a:rPr lang="cs-CZ" dirty="0" err="1"/>
+              <a:t>for</a:t>
+            </a:r>
+            <a:r>
+              <a:rPr lang="cs-CZ" dirty="0"/>
+              <a:t> </a:t>
+            </a:r>
+            <a:r>
+              <a:rPr lang="cs-CZ" dirty="0" err="1"/>
+              <a:t>different</a:t>
+            </a:r>
+            <a:r>
+              <a:rPr lang="cs-CZ" dirty="0"/>
+              <a:t> </a:t>
+            </a:r>
+            <a:r>
+              <a:rPr lang="cs-CZ" dirty="0" err="1"/>
+              <a:t>purposes</a:t>
+            </a:r>
+            <a:endParaRPr lang="cs-CZ" dirty="0"/>
+          </a:p>
+          <a:p>
+            <a:r>
+              <a:rPr lang="cs-CZ" dirty="0" err="1"/>
+              <a:t>Integrate</a:t>
+            </a:r>
+            <a:r>
+              <a:rPr lang="cs-CZ" dirty="0"/>
+              <a:t> – </a:t>
+            </a:r>
+            <a:r>
+              <a:rPr lang="cs-CZ" dirty="0" err="1"/>
+              <a:t>combine</a:t>
+            </a:r>
+            <a:r>
+              <a:rPr lang="cs-CZ" dirty="0"/>
+              <a:t> more </a:t>
+            </a:r>
+            <a:r>
+              <a:rPr lang="cs-CZ" dirty="0" err="1"/>
+              <a:t>things</a:t>
+            </a:r>
+            <a:r>
+              <a:rPr lang="cs-CZ" dirty="0"/>
+              <a:t> to </a:t>
+            </a:r>
+            <a:r>
+              <a:rPr lang="cs-CZ" dirty="0" err="1"/>
+              <a:t>form</a:t>
+            </a:r>
+            <a:r>
+              <a:rPr lang="cs-CZ" dirty="0"/>
+              <a:t> a </a:t>
+            </a:r>
+            <a:r>
+              <a:rPr lang="cs-CZ" dirty="0" err="1"/>
+              <a:t>whole</a:t>
+            </a:r>
+            <a:endParaRPr lang="cs-CZ" dirty="0"/>
+          </a:p>
+          <a:p>
+            <a:r>
+              <a:rPr lang="cs-CZ" dirty="0" err="1"/>
+              <a:t>Scalability</a:t>
+            </a:r>
+            <a:r>
+              <a:rPr lang="cs-CZ" dirty="0"/>
+              <a:t> – </a:t>
+            </a:r>
+            <a:r>
+              <a:rPr lang="cs-CZ" dirty="0" err="1"/>
+              <a:t>the</a:t>
+            </a:r>
+            <a:r>
+              <a:rPr lang="cs-CZ" dirty="0"/>
+              <a:t> </a:t>
+            </a:r>
+            <a:r>
+              <a:rPr lang="en-US" dirty="0"/>
+              <a:t>capacity to be changed in size or scale</a:t>
+            </a:r>
+            <a:endParaRPr lang="cs-CZ" dirty="0"/>
+          </a:p>
+          <a:p>
+            <a:r>
+              <a:rPr lang="cs-CZ" dirty="0" err="1"/>
+              <a:t>Protocol</a:t>
+            </a:r>
+            <a:r>
+              <a:rPr lang="cs-CZ" dirty="0"/>
+              <a:t> – set </a:t>
+            </a:r>
+            <a:r>
+              <a:rPr lang="cs-CZ" dirty="0" err="1"/>
+              <a:t>of</a:t>
+            </a:r>
+            <a:r>
+              <a:rPr lang="cs-CZ" dirty="0"/>
+              <a:t> </a:t>
+            </a:r>
+            <a:r>
+              <a:rPr lang="cs-CZ" dirty="0" err="1"/>
+              <a:t>rules</a:t>
+            </a:r>
+            <a:endParaRPr lang="cs-CZ" dirty="0"/>
+          </a:p>
+          <a:p>
+            <a:r>
+              <a:rPr lang="cs-CZ" dirty="0"/>
+              <a:t>Presence – </a:t>
+            </a:r>
+            <a:r>
+              <a:rPr lang="cs-CZ" dirty="0" err="1"/>
+              <a:t>the</a:t>
+            </a:r>
+            <a:r>
+              <a:rPr lang="cs-CZ" dirty="0"/>
+              <a:t> </a:t>
+            </a:r>
+            <a:r>
+              <a:rPr lang="cs-CZ" dirty="0" err="1"/>
+              <a:t>fact</a:t>
+            </a:r>
+            <a:r>
+              <a:rPr lang="cs-CZ" dirty="0"/>
+              <a:t> </a:t>
+            </a:r>
+            <a:r>
+              <a:rPr lang="cs-CZ" dirty="0" err="1"/>
+              <a:t>that</a:t>
+            </a:r>
+            <a:r>
+              <a:rPr lang="cs-CZ" dirty="0"/>
+              <a:t> </a:t>
+            </a:r>
+            <a:r>
+              <a:rPr lang="cs-CZ" dirty="0" err="1"/>
+              <a:t>someone</a:t>
+            </a:r>
+            <a:r>
+              <a:rPr lang="cs-CZ" dirty="0"/>
+              <a:t> </a:t>
+            </a:r>
+            <a:r>
+              <a:rPr lang="cs-CZ" dirty="0" err="1"/>
+              <a:t>or</a:t>
+            </a:r>
+            <a:r>
+              <a:rPr lang="cs-CZ" dirty="0"/>
+              <a:t> </a:t>
+            </a:r>
+            <a:r>
+              <a:rPr lang="cs-CZ" dirty="0" err="1"/>
+              <a:t>something</a:t>
+            </a:r>
+            <a:r>
+              <a:rPr lang="cs-CZ" dirty="0"/>
+              <a:t> </a:t>
+            </a:r>
+            <a:r>
+              <a:rPr lang="cs-CZ" dirty="0" err="1"/>
+              <a:t>is</a:t>
+            </a:r>
+            <a:r>
+              <a:rPr lang="cs-CZ" dirty="0"/>
+              <a:t> in a place</a:t>
+            </a:r>
+          </a:p>
+        </p:txBody>
+      </p:sp>
     </p:spTree>
     <p:extLst>
       <p:ext uri="{BB962C8B-B14F-4D97-AF65-F5344CB8AC3E}">
-        <p14:creationId xmlns:p14="http://schemas.microsoft.com/office/powerpoint/2010/main" val="3412527161"/>
-      </p:ext>
-    </p:extLst>
-  </p:cSld>
-  <p:clrMapOvr>
-    <a:masterClrMapping/>
-  </p:clrMapOvr>
-</p:sld>
-</file>
-
-<file path=ppt/slides/slide8.xml><?xml version="1.0" encoding="utf-8"?>
-<p:sld xmlns:a="http://schemas.openxmlformats.org/drawingml/2006/main" xmlns:r="http://schemas.openxmlformats.org/officeDocument/2006/relationships" xmlns:p="http://schemas.openxmlformats.org/presentationml/2006/main">
-  <p:cSld>
-    <p:spTree>
-      <p:nvGrpSpPr>
-        <p:cNvPr id="1" name=""/>
-        <p:cNvGrpSpPr/>
-        <p:nvPr/>
-      </p:nvGrpSpPr>
-      <p:grpSpPr>
-        <a:xfrm>
-          <a:off x="0" y="0"/>
-          <a:ext cx="0" cy="0"/>
-          <a:chOff x="0" y="0"/>
-          <a:chExt cx="0" cy="0"/>
-        </a:xfrm>
-      </p:grpSpPr>
-      <p:sp>
-        <p:nvSpPr>
-          <p:cNvPr id="2" name="Nadpis 1">
-            <a:extLst>
-              <a:ext uri="{FF2B5EF4-FFF2-40B4-BE49-F238E27FC236}">
-                <a16:creationId xmlns:a16="http://schemas.microsoft.com/office/drawing/2014/main" id="{10F9C348-0693-10E7-3B75-4A4A0FE4947E}"/>
-              </a:ext>
-            </a:extLst>
-          </p:cNvPr>
-          <p:cNvSpPr>
-            <a:spLocks noGrp="1"/>
-          </p:cNvSpPr>
-          <p:nvPr>
-            <p:ph type="title"/>
-          </p:nvPr>
-        </p:nvSpPr>
-        <p:spPr/>
-        <p:txBody>
-          <a:bodyPr/>
-          <a:lstStyle/>
-          <a:p>
-            <a:endParaRPr lang="cs-CZ"/>
-          </a:p>
-        </p:txBody>
-      </p:sp>
-      <p:pic>
-        <p:nvPicPr>
-          <p:cNvPr id="5" name="Zástupný obsah 4" descr="Obsah obrázku text, snímek obrazovky, Písmo, diagram&#10;&#10;Popis byl vytvořen automaticky">
-            <a:extLst>
-              <a:ext uri="{FF2B5EF4-FFF2-40B4-BE49-F238E27FC236}">
-                <a16:creationId xmlns:a16="http://schemas.microsoft.com/office/drawing/2014/main" id="{37152A91-D55C-375D-F494-45D3970FC446}"/>
-              </a:ext>
-            </a:extLst>
-          </p:cNvPr>
-          <p:cNvPicPr>
-            <a:picLocks noGrp="1" noChangeAspect="1"/>
-          </p:cNvPicPr>
-          <p:nvPr>
-            <p:ph idx="1"/>
-          </p:nvPr>
-        </p:nvPicPr>
-        <p:blipFill>
-          <a:blip r:embed="rId2">
-            <a:extLst>
-              <a:ext uri="{28A0092B-C50C-407E-A947-70E740481C1C}">
-                <a14:useLocalDpi xmlns:a14="http://schemas.microsoft.com/office/drawing/2010/main" val="0"/>
-              </a:ext>
-            </a:extLst>
-          </a:blip>
-          <a:stretch>
-            <a:fillRect/>
-          </a:stretch>
-        </p:blipFill>
-        <p:spPr>
-          <a:xfrm>
-            <a:off x="1095239" y="732029"/>
-            <a:ext cx="10001522" cy="5393941"/>
-          </a:xfrm>
-        </p:spPr>
-      </p:pic>
-    </p:spTree>
-    <p:extLst>
-      <p:ext uri="{BB962C8B-B14F-4D97-AF65-F5344CB8AC3E}">
-        <p14:creationId xmlns:p14="http://schemas.microsoft.com/office/powerpoint/2010/main" val="1745796727"/>
-      </p:ext>
-    </p:extLst>
-  </p:cSld>
-  <p:clrMapOvr>
-    <a:masterClrMapping/>
-  </p:clrMapOvr>
-</p:sld>
-</file>
-
-<file path=ppt/slides/slide9.xml><?xml version="1.0" encoding="utf-8"?>
-<p:sld xmlns:a="http://schemas.openxmlformats.org/drawingml/2006/main" xmlns:r="http://schemas.openxmlformats.org/officeDocument/2006/relationships" xmlns:p="http://schemas.openxmlformats.org/presentationml/2006/main">
-  <p:cSld>
-    <p:spTree>
-      <p:nvGrpSpPr>
-        <p:cNvPr id="1" name=""/>
-        <p:cNvGrpSpPr/>
-        <p:nvPr/>
-      </p:nvGrpSpPr>
-      <p:grpSpPr>
-        <a:xfrm>
-          <a:off x="0" y="0"/>
-          <a:ext cx="0" cy="0"/>
-          <a:chOff x="0" y="0"/>
-          <a:chExt cx="0" cy="0"/>
-        </a:xfrm>
-      </p:grpSpPr>
-      <p:sp>
-        <p:nvSpPr>
-          <p:cNvPr id="2" name="Nadpis 1">
-            <a:extLst>
-              <a:ext uri="{FF2B5EF4-FFF2-40B4-BE49-F238E27FC236}">
-                <a16:creationId xmlns:a16="http://schemas.microsoft.com/office/drawing/2014/main" id="{9EBCF653-4FF7-7D7B-8DAF-3DDD1C327C11}"/>
-              </a:ext>
-            </a:extLst>
-          </p:cNvPr>
-          <p:cNvSpPr>
-            <a:spLocks noGrp="1"/>
-          </p:cNvSpPr>
-          <p:nvPr>
-            <p:ph type="title"/>
-          </p:nvPr>
-        </p:nvSpPr>
-        <p:spPr/>
-        <p:txBody>
-          <a:bodyPr/>
-          <a:lstStyle/>
-          <a:p>
-            <a:endParaRPr lang="cs-CZ"/>
-          </a:p>
-        </p:txBody>
-      </p:sp>
-      <p:pic>
-        <p:nvPicPr>
-          <p:cNvPr id="5" name="Zástupný obsah 4" descr="Obsah obrázku text, snímek obrazovky, řada/pruh, Písmo&#10;&#10;Popis byl vytvořen automaticky">
-            <a:extLst>
-              <a:ext uri="{FF2B5EF4-FFF2-40B4-BE49-F238E27FC236}">
-                <a16:creationId xmlns:a16="http://schemas.microsoft.com/office/drawing/2014/main" id="{A37AFDD8-F5D7-CD39-7D09-D6D2EA061B64}"/>
-              </a:ext>
-            </a:extLst>
-          </p:cNvPr>
-          <p:cNvPicPr>
-            <a:picLocks noGrp="1" noChangeAspect="1"/>
-          </p:cNvPicPr>
-          <p:nvPr>
-            <p:ph idx="1"/>
-          </p:nvPr>
-        </p:nvPicPr>
-        <p:blipFill>
-          <a:blip r:embed="rId2">
-            <a:extLst>
-              <a:ext uri="{28A0092B-C50C-407E-A947-70E740481C1C}">
-                <a14:useLocalDpi xmlns:a14="http://schemas.microsoft.com/office/drawing/2010/main" val="0"/>
-              </a:ext>
-            </a:extLst>
-          </a:blip>
-          <a:stretch>
-            <a:fillRect/>
-          </a:stretch>
-        </p:blipFill>
-        <p:spPr>
-          <a:xfrm>
-            <a:off x="3657620" y="365125"/>
-            <a:ext cx="4876760" cy="6131524"/>
-          </a:xfrm>
-        </p:spPr>
-      </p:pic>
-    </p:spTree>
-    <p:extLst>
-      <p:ext uri="{BB962C8B-B14F-4D97-AF65-F5344CB8AC3E}">
-        <p14:creationId xmlns:p14="http://schemas.microsoft.com/office/powerpoint/2010/main" val="3886394006"/>
+        <p14:creationId xmlns:p14="http://schemas.microsoft.com/office/powerpoint/2010/main" val="1110673565"/>
       </p:ext>
     </p:extLst>
   </p:cSld>
@@ -4240,39 +4716,39 @@
         <a:sysClr val="window" lastClr="FFFFFF"/>
       </a:lt1>
       <a:dk2>
-        <a:srgbClr val="44546A"/>
+        <a:srgbClr val="0E2841"/>
       </a:dk2>
       <a:lt2>
-        <a:srgbClr val="E7E6E6"/>
+        <a:srgbClr val="E8E8E8"/>
       </a:lt2>
       <a:accent1>
-        <a:srgbClr val="4472C4"/>
+        <a:srgbClr val="156082"/>
       </a:accent1>
       <a:accent2>
-        <a:srgbClr val="ED7D31"/>
+        <a:srgbClr val="E97132"/>
       </a:accent2>
       <a:accent3>
-        <a:srgbClr val="A5A5A5"/>
+        <a:srgbClr val="196B24"/>
       </a:accent3>
       <a:accent4>
-        <a:srgbClr val="FFC000"/>
+        <a:srgbClr val="0F9ED5"/>
       </a:accent4>
       <a:accent5>
-        <a:srgbClr val="5B9BD5"/>
+        <a:srgbClr val="A02B93"/>
       </a:accent5>
       <a:accent6>
-        <a:srgbClr val="70AD47"/>
+        <a:srgbClr val="4EA72E"/>
       </a:accent6>
       <a:hlink>
-        <a:srgbClr val="0563C1"/>
+        <a:srgbClr val="467886"/>
       </a:hlink>
       <a:folHlink>
-        <a:srgbClr val="954F72"/>
+        <a:srgbClr val="96607D"/>
       </a:folHlink>
     </a:clrScheme>
     <a:fontScheme name="Office">
       <a:majorFont>
-        <a:latin typeface="Calibri Light" panose="020F0302020204030204"/>
+        <a:latin typeface="Aptos Display" panose="02110004020202020204"/>
         <a:ea typeface=""/>
         <a:cs typeface=""/>
         <a:font script="Jpan" typeface="游ゴシック Light"/>
@@ -4324,7 +4800,7 @@
         <a:font script="Tfng" typeface="Ebrima"/>
       </a:majorFont>
       <a:minorFont>
-        <a:latin typeface="Calibri" panose="020F0502020204030204"/>
+        <a:latin typeface="Aptos" panose="02110004020202020204"/>
         <a:ea typeface=""/>
         <a:cs typeface=""/>
         <a:font script="Jpan" typeface="游ゴシック"/>
@@ -4435,13 +4911,6 @@
         </a:gradFill>
       </a:fillStyleLst>
       <a:lnStyleLst>
-        <a:ln w="6350" cap="flat" cmpd="sng" algn="ctr">
-          <a:solidFill>
-            <a:schemeClr val="phClr"/>
-          </a:solidFill>
-          <a:prstDash val="solid"/>
-          <a:miter lim="800000"/>
-        </a:ln>
         <a:ln w="12700" cap="flat" cmpd="sng" algn="ctr">
           <a:solidFill>
             <a:schemeClr val="phClr"/>
@@ -4450,6 +4919,13 @@
           <a:miter lim="800000"/>
         </a:ln>
         <a:ln w="19050" cap="flat" cmpd="sng" algn="ctr">
+          <a:solidFill>
+            <a:schemeClr val="phClr"/>
+          </a:solidFill>
+          <a:prstDash val="solid"/>
+          <a:miter lim="800000"/>
+        </a:ln>
+        <a:ln w="25400" cap="flat" cmpd="sng" algn="ctr">
           <a:solidFill>
             <a:schemeClr val="phClr"/>
           </a:solidFill>
@@ -4514,11 +4990,31 @@
       </a:bgFillStyleLst>
     </a:fmtScheme>
   </a:themeElements>
-  <a:objectDefaults/>
+  <a:objectDefaults>
+    <a:lnDef>
+      <a:spPr/>
+      <a:bodyPr/>
+      <a:lstStyle/>
+      <a:style>
+        <a:lnRef idx="2">
+          <a:schemeClr val="accent1"/>
+        </a:lnRef>
+        <a:fillRef idx="0">
+          <a:schemeClr val="accent1"/>
+        </a:fillRef>
+        <a:effectRef idx="1">
+          <a:schemeClr val="accent1"/>
+        </a:effectRef>
+        <a:fontRef idx="minor">
+          <a:schemeClr val="tx1"/>
+        </a:fontRef>
+      </a:style>
+    </a:lnDef>
+  </a:objectDefaults>
   <a:extraClrSchemeLst/>
   <a:extLst>
     <a:ext uri="{05A4C25C-085E-4340-85A3-A5531E510DB2}">
-      <thm15:themeFamily xmlns:thm15="http://schemas.microsoft.com/office/thememl/2012/main" name="Office Theme" id="{62F939B6-93AF-4DB8-9C6B-D6C7DFDC589F}" vid="{4A3C46E8-61CC-4603-A589-7422A47A8E4A}"/>
+      <thm15:themeFamily xmlns:thm15="http://schemas.microsoft.com/office/thememl/2012/main" name="Office Theme" id="{2E142A2C-CD16-42D6-873A-C26D2A0506FA}" vid="{1BDDFF52-6CD6-40A5-AB3C-68EB2F1E4D0A}"/>
     </a:ext>
   </a:extLst>
 </a:theme>
